--- a/TeaHi.pptx
+++ b/TeaHi.pptx
@@ -8,8 +8,8 @@
     <p:sldId id="256" r:id="rId2"/>
     <p:sldId id="270" r:id="rId3"/>
     <p:sldId id="257" r:id="rId4"/>
-    <p:sldId id="258" r:id="rId5"/>
-    <p:sldId id="271" r:id="rId6"/>
+    <p:sldId id="271" r:id="rId5"/>
+    <p:sldId id="258" r:id="rId6"/>
     <p:sldId id="259" r:id="rId7"/>
     <p:sldId id="261" r:id="rId8"/>
     <p:sldId id="262" r:id="rId9"/>
@@ -4627,7 +4627,23 @@
                 <a:schemeClr val="bg1"/>
               </a:solidFill>
             </a:rPr>
-            <a:t>Pleasure of Tea</a:t>
+            <a:t>Pleasure </a:t>
+          </a:r>
+          <a:r>
+            <a:rPr lang="en-US" dirty="0" smtClean="0">
+              <a:solidFill>
+                <a:schemeClr val="bg1"/>
+              </a:solidFill>
+            </a:rPr>
+            <a:t>for </a:t>
+          </a:r>
+          <a:r>
+            <a:rPr lang="en-US" dirty="0" smtClean="0">
+              <a:solidFill>
+                <a:schemeClr val="bg1"/>
+              </a:solidFill>
+            </a:rPr>
+            <a:t>Tea</a:t>
           </a:r>
           <a:endParaRPr lang="en-US" dirty="0">
             <a:solidFill>
@@ -5254,6 +5270,571 @@
 <file path=ppt/diagrams/data3.xml><?xml version="1.0" encoding="utf-8"?>
 <dgm:dataModel xmlns:dgm="http://schemas.openxmlformats.org/drawingml/2006/diagram" xmlns:a="http://schemas.openxmlformats.org/drawingml/2006/main">
   <dgm:ptLst>
+    <dgm:pt modelId="{6FE47705-1FDA-4F86-9115-C56131118078}" type="doc">
+      <dgm:prSet loTypeId="urn:microsoft.com/office/officeart/2008/layout/AlternatingHexagons" loCatId="list" qsTypeId="urn:microsoft.com/office/officeart/2005/8/quickstyle/simple1" qsCatId="simple" csTypeId="urn:microsoft.com/office/officeart/2005/8/colors/accent1_2" csCatId="accent1" phldr="1"/>
+      <dgm:spPr/>
+      <dgm:t>
+        <a:bodyPr/>
+        <a:lstStyle/>
+        <a:p>
+          <a:endParaRPr lang="en-US"/>
+        </a:p>
+      </dgm:t>
+    </dgm:pt>
+    <dgm:pt modelId="{F0152C38-EE20-4331-9366-530CE190044A}">
+      <dgm:prSet phldrT="[Text]" custT="1"/>
+      <dgm:spPr/>
+      <dgm:t>
+        <a:bodyPr/>
+        <a:lstStyle/>
+        <a:p>
+          <a:endParaRPr lang="en-US" sz="1600" dirty="0"/>
+        </a:p>
+      </dgm:t>
+    </dgm:pt>
+    <dgm:pt modelId="{3B61123C-631D-4230-9BBD-B1C8C8FF3198}" type="parTrans" cxnId="{A7B20EDD-6AD3-4A6B-8ED1-A92E7398287E}">
+      <dgm:prSet/>
+      <dgm:spPr/>
+      <dgm:t>
+        <a:bodyPr/>
+        <a:lstStyle/>
+        <a:p>
+          <a:endParaRPr lang="en-US"/>
+        </a:p>
+      </dgm:t>
+    </dgm:pt>
+    <dgm:pt modelId="{197E6AEE-740B-447D-AA3E-791CF1827510}" type="sibTrans" cxnId="{A7B20EDD-6AD3-4A6B-8ED1-A92E7398287E}">
+      <dgm:prSet/>
+      <dgm:spPr/>
+      <dgm:t>
+        <a:bodyPr/>
+        <a:lstStyle/>
+        <a:p>
+          <a:endParaRPr lang="en-US"/>
+        </a:p>
+      </dgm:t>
+    </dgm:pt>
+    <dgm:pt modelId="{39E7AC14-1AFE-4F66-BFD6-C648B856ED30}">
+      <dgm:prSet phldrT="[Text]" custT="1"/>
+      <dgm:spPr>
+        <a:blipFill rotWithShape="0">
+          <a:blip xmlns:r="http://schemas.openxmlformats.org/officeDocument/2006/relationships" r:embed="rId1"/>
+          <a:stretch>
+            <a:fillRect/>
+          </a:stretch>
+        </a:blipFill>
+      </dgm:spPr>
+      <dgm:t>
+        <a:bodyPr/>
+        <a:lstStyle/>
+        <a:p>
+          <a:pPr algn="ctr"/>
+          <a:r>
+            <a:rPr lang="en-US" sz="3000" baseline="0" dirty="0" smtClean="0"/>
+            <a:t>    </a:t>
+          </a:r>
+          <a:r>
+            <a:rPr lang="en-US" sz="100" baseline="0" dirty="0" smtClean="0"/>
+            <a:t>.</a:t>
+          </a:r>
+          <a:endParaRPr lang="en-US" sz="100" dirty="0"/>
+        </a:p>
+      </dgm:t>
+    </dgm:pt>
+    <dgm:pt modelId="{A5027947-60EF-462B-AEF5-C81E94A49FD6}" type="sibTrans" cxnId="{160AFAA8-AAE2-48B5-8B2D-75DB6E8A304A}">
+      <dgm:prSet/>
+      <dgm:spPr/>
+      <dgm:t>
+        <a:bodyPr/>
+        <a:lstStyle/>
+        <a:p>
+          <a:endParaRPr lang="en-US"/>
+        </a:p>
+      </dgm:t>
+    </dgm:pt>
+    <dgm:pt modelId="{D119C49B-F827-4604-8FDC-A5B65722BB3A}" type="parTrans" cxnId="{160AFAA8-AAE2-48B5-8B2D-75DB6E8A304A}">
+      <dgm:prSet/>
+      <dgm:spPr/>
+      <dgm:t>
+        <a:bodyPr/>
+        <a:lstStyle/>
+        <a:p>
+          <a:endParaRPr lang="en-US"/>
+        </a:p>
+      </dgm:t>
+    </dgm:pt>
+    <dgm:pt modelId="{03B3231D-8275-412B-95B5-26B291DEDF9D}">
+      <dgm:prSet/>
+      <dgm:spPr/>
+      <dgm:t>
+        <a:bodyPr/>
+        <a:lstStyle/>
+        <a:p>
+          <a:endParaRPr lang="en-US"/>
+        </a:p>
+      </dgm:t>
+    </dgm:pt>
+    <dgm:pt modelId="{EBF01A67-AD63-4652-BFBD-264586CC0547}" type="parTrans" cxnId="{27CC0BAE-512C-47D2-B82E-7B3625969A75}">
+      <dgm:prSet/>
+      <dgm:spPr/>
+      <dgm:t>
+        <a:bodyPr/>
+        <a:lstStyle/>
+        <a:p>
+          <a:endParaRPr lang="en-US"/>
+        </a:p>
+      </dgm:t>
+    </dgm:pt>
+    <dgm:pt modelId="{CBF9917E-97D2-48B9-B5E0-82B04F41D301}" type="sibTrans" cxnId="{27CC0BAE-512C-47D2-B82E-7B3625969A75}">
+      <dgm:prSet/>
+      <dgm:spPr/>
+      <dgm:t>
+        <a:bodyPr/>
+        <a:lstStyle/>
+        <a:p>
+          <a:endParaRPr lang="en-US"/>
+        </a:p>
+      </dgm:t>
+    </dgm:pt>
+    <dgm:pt modelId="{A59CF98C-7BB1-4D38-B09E-E86F9FA34A54}" type="pres">
+      <dgm:prSet presAssocID="{6FE47705-1FDA-4F86-9115-C56131118078}" presName="Name0" presStyleCnt="0">
+        <dgm:presLayoutVars>
+          <dgm:chMax/>
+          <dgm:chPref/>
+          <dgm:dir/>
+          <dgm:animLvl val="lvl"/>
+        </dgm:presLayoutVars>
+      </dgm:prSet>
+      <dgm:spPr/>
+      <dgm:t>
+        <a:bodyPr/>
+        <a:lstStyle/>
+        <a:p>
+          <a:endParaRPr lang="en-US"/>
+        </a:p>
+      </dgm:t>
+    </dgm:pt>
+    <dgm:pt modelId="{8C253400-440A-4AFC-8B19-AF2EA690818B}" type="pres">
+      <dgm:prSet presAssocID="{F0152C38-EE20-4331-9366-530CE190044A}" presName="composite" presStyleCnt="0"/>
+      <dgm:spPr/>
+    </dgm:pt>
+    <dgm:pt modelId="{74E25874-7B44-4AEF-8A5C-E2DBAB171D3A}" type="pres">
+      <dgm:prSet presAssocID="{F0152C38-EE20-4331-9366-530CE190044A}" presName="Parent1" presStyleLbl="node1" presStyleIdx="0" presStyleCnt="6" custScaleX="100665">
+        <dgm:presLayoutVars>
+          <dgm:chMax val="1"/>
+          <dgm:chPref val="1"/>
+          <dgm:bulletEnabled val="1"/>
+        </dgm:presLayoutVars>
+      </dgm:prSet>
+      <dgm:spPr/>
+      <dgm:t>
+        <a:bodyPr/>
+        <a:lstStyle/>
+        <a:p>
+          <a:endParaRPr lang="en-US"/>
+        </a:p>
+      </dgm:t>
+    </dgm:pt>
+    <dgm:pt modelId="{AF0CC36C-6196-4035-AC9F-D32B22E1FB61}" type="pres">
+      <dgm:prSet presAssocID="{F0152C38-EE20-4331-9366-530CE190044A}" presName="Childtext1" presStyleLbl="revTx" presStyleIdx="0" presStyleCnt="3">
+        <dgm:presLayoutVars>
+          <dgm:chMax val="0"/>
+          <dgm:chPref val="0"/>
+          <dgm:bulletEnabled val="1"/>
+        </dgm:presLayoutVars>
+      </dgm:prSet>
+      <dgm:spPr/>
+      <dgm:t>
+        <a:bodyPr/>
+        <a:lstStyle/>
+        <a:p>
+          <a:endParaRPr lang="en-US"/>
+        </a:p>
+      </dgm:t>
+    </dgm:pt>
+    <dgm:pt modelId="{A9F1C4A4-F7DF-4CEA-BBC3-F1217C6A68A5}" type="pres">
+      <dgm:prSet presAssocID="{F0152C38-EE20-4331-9366-530CE190044A}" presName="BalanceSpacing" presStyleCnt="0"/>
+      <dgm:spPr/>
+    </dgm:pt>
+    <dgm:pt modelId="{16D9D4A8-87D9-4188-90E9-E512CE614A2C}" type="pres">
+      <dgm:prSet presAssocID="{F0152C38-EE20-4331-9366-530CE190044A}" presName="BalanceSpacing1" presStyleCnt="0"/>
+      <dgm:spPr/>
+    </dgm:pt>
+    <dgm:pt modelId="{0A87B856-38A4-4403-8583-A30D3A2B22CF}" type="pres">
+      <dgm:prSet presAssocID="{197E6AEE-740B-447D-AA3E-791CF1827510}" presName="Accent1Text" presStyleLbl="node1" presStyleIdx="1" presStyleCnt="6"/>
+      <dgm:spPr/>
+      <dgm:t>
+        <a:bodyPr/>
+        <a:lstStyle/>
+        <a:p>
+          <a:endParaRPr lang="en-US"/>
+        </a:p>
+      </dgm:t>
+    </dgm:pt>
+    <dgm:pt modelId="{FA93668B-45B5-4084-A4CE-94C33D338621}" type="pres">
+      <dgm:prSet presAssocID="{197E6AEE-740B-447D-AA3E-791CF1827510}" presName="spaceBetweenRectangles" presStyleCnt="0"/>
+      <dgm:spPr/>
+    </dgm:pt>
+    <dgm:pt modelId="{2B6BA8CE-B7CE-45D3-9889-D6C6D07FBD4F}" type="pres">
+      <dgm:prSet presAssocID="{39E7AC14-1AFE-4F66-BFD6-C648B856ED30}" presName="composite" presStyleCnt="0"/>
+      <dgm:spPr/>
+    </dgm:pt>
+    <dgm:pt modelId="{F8B15FD0-FFA0-4B8F-8CE3-51E20D838CAA}" type="pres">
+      <dgm:prSet presAssocID="{39E7AC14-1AFE-4F66-BFD6-C648B856ED30}" presName="Parent1" presStyleLbl="node1" presStyleIdx="2" presStyleCnt="6" custLinFactNeighborX="-2121" custLinFactNeighborY="-582">
+        <dgm:presLayoutVars>
+          <dgm:chMax val="1"/>
+          <dgm:chPref val="1"/>
+          <dgm:bulletEnabled val="1"/>
+        </dgm:presLayoutVars>
+      </dgm:prSet>
+      <dgm:spPr/>
+      <dgm:t>
+        <a:bodyPr/>
+        <a:lstStyle/>
+        <a:p>
+          <a:endParaRPr lang="en-US"/>
+        </a:p>
+      </dgm:t>
+    </dgm:pt>
+    <dgm:pt modelId="{589DF7BB-1E08-4FC9-A875-15D9C2B6070D}" type="pres">
+      <dgm:prSet presAssocID="{39E7AC14-1AFE-4F66-BFD6-C648B856ED30}" presName="Childtext1" presStyleLbl="revTx" presStyleIdx="1" presStyleCnt="3">
+        <dgm:presLayoutVars>
+          <dgm:chMax val="0"/>
+          <dgm:chPref val="0"/>
+          <dgm:bulletEnabled val="1"/>
+        </dgm:presLayoutVars>
+      </dgm:prSet>
+      <dgm:spPr/>
+    </dgm:pt>
+    <dgm:pt modelId="{7B188764-1085-41D2-B1ED-7EA5F810B242}" type="pres">
+      <dgm:prSet presAssocID="{39E7AC14-1AFE-4F66-BFD6-C648B856ED30}" presName="BalanceSpacing" presStyleCnt="0"/>
+      <dgm:spPr/>
+    </dgm:pt>
+    <dgm:pt modelId="{01FC1B27-E917-4E24-9C8C-137B2932FCC4}" type="pres">
+      <dgm:prSet presAssocID="{39E7AC14-1AFE-4F66-BFD6-C648B856ED30}" presName="BalanceSpacing1" presStyleCnt="0"/>
+      <dgm:spPr/>
+    </dgm:pt>
+    <dgm:pt modelId="{5F9E48C8-2BAE-4552-96C4-12B3D4560693}" type="pres">
+      <dgm:prSet presAssocID="{A5027947-60EF-462B-AEF5-C81E94A49FD6}" presName="Accent1Text" presStyleLbl="node1" presStyleIdx="3" presStyleCnt="6"/>
+      <dgm:spPr/>
+      <dgm:t>
+        <a:bodyPr/>
+        <a:lstStyle/>
+        <a:p>
+          <a:endParaRPr lang="en-US"/>
+        </a:p>
+      </dgm:t>
+    </dgm:pt>
+    <dgm:pt modelId="{212C8D0F-D934-4438-B6DD-AE038E2E22EA}" type="pres">
+      <dgm:prSet presAssocID="{A5027947-60EF-462B-AEF5-C81E94A49FD6}" presName="spaceBetweenRectangles" presStyleCnt="0"/>
+      <dgm:spPr/>
+    </dgm:pt>
+    <dgm:pt modelId="{6333DB3E-ADAB-4068-9887-A311935A7811}" type="pres">
+      <dgm:prSet presAssocID="{03B3231D-8275-412B-95B5-26B291DEDF9D}" presName="composite" presStyleCnt="0"/>
+      <dgm:spPr/>
+    </dgm:pt>
+    <dgm:pt modelId="{25ACBBCA-D0ED-4719-81D7-8E9B28FAE76F}" type="pres">
+      <dgm:prSet presAssocID="{03B3231D-8275-412B-95B5-26B291DEDF9D}" presName="Parent1" presStyleLbl="node1" presStyleIdx="4" presStyleCnt="6">
+        <dgm:presLayoutVars>
+          <dgm:chMax val="1"/>
+          <dgm:chPref val="1"/>
+          <dgm:bulletEnabled val="1"/>
+        </dgm:presLayoutVars>
+      </dgm:prSet>
+      <dgm:spPr/>
+      <dgm:t>
+        <a:bodyPr/>
+        <a:lstStyle/>
+        <a:p>
+          <a:endParaRPr lang="en-US"/>
+        </a:p>
+      </dgm:t>
+    </dgm:pt>
+    <dgm:pt modelId="{2F80F0F3-8B36-4874-8D06-5497DB91BE15}" type="pres">
+      <dgm:prSet presAssocID="{03B3231D-8275-412B-95B5-26B291DEDF9D}" presName="Childtext1" presStyleLbl="revTx" presStyleIdx="2" presStyleCnt="3">
+        <dgm:presLayoutVars>
+          <dgm:chMax val="0"/>
+          <dgm:chPref val="0"/>
+          <dgm:bulletEnabled val="1"/>
+        </dgm:presLayoutVars>
+      </dgm:prSet>
+      <dgm:spPr/>
+    </dgm:pt>
+    <dgm:pt modelId="{8B7F4AC0-E46E-40CD-A7E0-61D9E056968F}" type="pres">
+      <dgm:prSet presAssocID="{03B3231D-8275-412B-95B5-26B291DEDF9D}" presName="BalanceSpacing" presStyleCnt="0"/>
+      <dgm:spPr/>
+    </dgm:pt>
+    <dgm:pt modelId="{FE4C17EE-4523-457D-BBB8-31FD140B86E0}" type="pres">
+      <dgm:prSet presAssocID="{03B3231D-8275-412B-95B5-26B291DEDF9D}" presName="BalanceSpacing1" presStyleCnt="0"/>
+      <dgm:spPr/>
+    </dgm:pt>
+    <dgm:pt modelId="{26620150-6213-462A-B989-039B83B9DEB0}" type="pres">
+      <dgm:prSet presAssocID="{CBF9917E-97D2-48B9-B5E0-82B04F41D301}" presName="Accent1Text" presStyleLbl="node1" presStyleIdx="5" presStyleCnt="6"/>
+      <dgm:spPr/>
+      <dgm:t>
+        <a:bodyPr/>
+        <a:lstStyle/>
+        <a:p>
+          <a:endParaRPr lang="en-US"/>
+        </a:p>
+      </dgm:t>
+    </dgm:pt>
+  </dgm:ptLst>
+  <dgm:cxnLst>
+    <dgm:cxn modelId="{495AFBA7-90E2-416E-8E5C-5C3E04A66D96}" type="presOf" srcId="{A5027947-60EF-462B-AEF5-C81E94A49FD6}" destId="{5F9E48C8-2BAE-4552-96C4-12B3D4560693}" srcOrd="0" destOrd="0" presId="urn:microsoft.com/office/officeart/2008/layout/AlternatingHexagons"/>
+    <dgm:cxn modelId="{3F9540FD-66AE-4E73-9B8A-5215BF295F97}" type="presOf" srcId="{03B3231D-8275-412B-95B5-26B291DEDF9D}" destId="{25ACBBCA-D0ED-4719-81D7-8E9B28FAE76F}" srcOrd="0" destOrd="0" presId="urn:microsoft.com/office/officeart/2008/layout/AlternatingHexagons"/>
+    <dgm:cxn modelId="{160AFAA8-AAE2-48B5-8B2D-75DB6E8A304A}" srcId="{6FE47705-1FDA-4F86-9115-C56131118078}" destId="{39E7AC14-1AFE-4F66-BFD6-C648B856ED30}" srcOrd="1" destOrd="0" parTransId="{D119C49B-F827-4604-8FDC-A5B65722BB3A}" sibTransId="{A5027947-60EF-462B-AEF5-C81E94A49FD6}"/>
+    <dgm:cxn modelId="{27CC0BAE-512C-47D2-B82E-7B3625969A75}" srcId="{6FE47705-1FDA-4F86-9115-C56131118078}" destId="{03B3231D-8275-412B-95B5-26B291DEDF9D}" srcOrd="2" destOrd="0" parTransId="{EBF01A67-AD63-4652-BFBD-264586CC0547}" sibTransId="{CBF9917E-97D2-48B9-B5E0-82B04F41D301}"/>
+    <dgm:cxn modelId="{50EEFB4B-D290-4E77-A552-09BC4873DF3D}" type="presOf" srcId="{197E6AEE-740B-447D-AA3E-791CF1827510}" destId="{0A87B856-38A4-4403-8583-A30D3A2B22CF}" srcOrd="0" destOrd="0" presId="urn:microsoft.com/office/officeart/2008/layout/AlternatingHexagons"/>
+    <dgm:cxn modelId="{9AC3E00C-2D23-496A-A008-67F2BEDD426F}" type="presOf" srcId="{F0152C38-EE20-4331-9366-530CE190044A}" destId="{74E25874-7B44-4AEF-8A5C-E2DBAB171D3A}" srcOrd="0" destOrd="0" presId="urn:microsoft.com/office/officeart/2008/layout/AlternatingHexagons"/>
+    <dgm:cxn modelId="{912E7AFB-F46E-4CE1-8BAC-F60D0029A130}" type="presOf" srcId="{6FE47705-1FDA-4F86-9115-C56131118078}" destId="{A59CF98C-7BB1-4D38-B09E-E86F9FA34A54}" srcOrd="0" destOrd="0" presId="urn:microsoft.com/office/officeart/2008/layout/AlternatingHexagons"/>
+    <dgm:cxn modelId="{9A2BF801-1525-4877-B5EC-A0BF32632FCE}" type="presOf" srcId="{CBF9917E-97D2-48B9-B5E0-82B04F41D301}" destId="{26620150-6213-462A-B989-039B83B9DEB0}" srcOrd="0" destOrd="0" presId="urn:microsoft.com/office/officeart/2008/layout/AlternatingHexagons"/>
+    <dgm:cxn modelId="{C1B82EA8-55F8-4C6A-A317-E1C681A4505B}" type="presOf" srcId="{39E7AC14-1AFE-4F66-BFD6-C648B856ED30}" destId="{F8B15FD0-FFA0-4B8F-8CE3-51E20D838CAA}" srcOrd="0" destOrd="0" presId="urn:microsoft.com/office/officeart/2008/layout/AlternatingHexagons"/>
+    <dgm:cxn modelId="{A7B20EDD-6AD3-4A6B-8ED1-A92E7398287E}" srcId="{6FE47705-1FDA-4F86-9115-C56131118078}" destId="{F0152C38-EE20-4331-9366-530CE190044A}" srcOrd="0" destOrd="0" parTransId="{3B61123C-631D-4230-9BBD-B1C8C8FF3198}" sibTransId="{197E6AEE-740B-447D-AA3E-791CF1827510}"/>
+    <dgm:cxn modelId="{400B3DE2-07B2-4736-94D8-5C53F55F86A9}" type="presParOf" srcId="{A59CF98C-7BB1-4D38-B09E-E86F9FA34A54}" destId="{8C253400-440A-4AFC-8B19-AF2EA690818B}" srcOrd="0" destOrd="0" presId="urn:microsoft.com/office/officeart/2008/layout/AlternatingHexagons"/>
+    <dgm:cxn modelId="{77601EC6-88BA-4B2D-B304-3C4F95BE36F7}" type="presParOf" srcId="{8C253400-440A-4AFC-8B19-AF2EA690818B}" destId="{74E25874-7B44-4AEF-8A5C-E2DBAB171D3A}" srcOrd="0" destOrd="0" presId="urn:microsoft.com/office/officeart/2008/layout/AlternatingHexagons"/>
+    <dgm:cxn modelId="{75F46ADE-A94C-47C2-BFD0-712DC6F36265}" type="presParOf" srcId="{8C253400-440A-4AFC-8B19-AF2EA690818B}" destId="{AF0CC36C-6196-4035-AC9F-D32B22E1FB61}" srcOrd="1" destOrd="0" presId="urn:microsoft.com/office/officeart/2008/layout/AlternatingHexagons"/>
+    <dgm:cxn modelId="{067217EF-674B-4D27-9E1B-C25B428DAB0F}" type="presParOf" srcId="{8C253400-440A-4AFC-8B19-AF2EA690818B}" destId="{A9F1C4A4-F7DF-4CEA-BBC3-F1217C6A68A5}" srcOrd="2" destOrd="0" presId="urn:microsoft.com/office/officeart/2008/layout/AlternatingHexagons"/>
+    <dgm:cxn modelId="{1F55217E-B362-41A4-9C68-1C92007DB83E}" type="presParOf" srcId="{8C253400-440A-4AFC-8B19-AF2EA690818B}" destId="{16D9D4A8-87D9-4188-90E9-E512CE614A2C}" srcOrd="3" destOrd="0" presId="urn:microsoft.com/office/officeart/2008/layout/AlternatingHexagons"/>
+    <dgm:cxn modelId="{8021EBE8-6870-4AC4-9C03-A0F50BC1E040}" type="presParOf" srcId="{8C253400-440A-4AFC-8B19-AF2EA690818B}" destId="{0A87B856-38A4-4403-8583-A30D3A2B22CF}" srcOrd="4" destOrd="0" presId="urn:microsoft.com/office/officeart/2008/layout/AlternatingHexagons"/>
+    <dgm:cxn modelId="{45D9E794-FDB0-4B09-82DA-5F41C3DF0D2E}" type="presParOf" srcId="{A59CF98C-7BB1-4D38-B09E-E86F9FA34A54}" destId="{FA93668B-45B5-4084-A4CE-94C33D338621}" srcOrd="1" destOrd="0" presId="urn:microsoft.com/office/officeart/2008/layout/AlternatingHexagons"/>
+    <dgm:cxn modelId="{B962B69B-ACA5-4E40-BFDD-00322466D4FC}" type="presParOf" srcId="{A59CF98C-7BB1-4D38-B09E-E86F9FA34A54}" destId="{2B6BA8CE-B7CE-45D3-9889-D6C6D07FBD4F}" srcOrd="2" destOrd="0" presId="urn:microsoft.com/office/officeart/2008/layout/AlternatingHexagons"/>
+    <dgm:cxn modelId="{BCFAD5E0-0554-43BE-8F92-176B4751FE3A}" type="presParOf" srcId="{2B6BA8CE-B7CE-45D3-9889-D6C6D07FBD4F}" destId="{F8B15FD0-FFA0-4B8F-8CE3-51E20D838CAA}" srcOrd="0" destOrd="0" presId="urn:microsoft.com/office/officeart/2008/layout/AlternatingHexagons"/>
+    <dgm:cxn modelId="{4F7F9782-717F-414F-8C30-74908C37464A}" type="presParOf" srcId="{2B6BA8CE-B7CE-45D3-9889-D6C6D07FBD4F}" destId="{589DF7BB-1E08-4FC9-A875-15D9C2B6070D}" srcOrd="1" destOrd="0" presId="urn:microsoft.com/office/officeart/2008/layout/AlternatingHexagons"/>
+    <dgm:cxn modelId="{F243AD2A-82E4-4F88-9657-C961C55893C6}" type="presParOf" srcId="{2B6BA8CE-B7CE-45D3-9889-D6C6D07FBD4F}" destId="{7B188764-1085-41D2-B1ED-7EA5F810B242}" srcOrd="2" destOrd="0" presId="urn:microsoft.com/office/officeart/2008/layout/AlternatingHexagons"/>
+    <dgm:cxn modelId="{64AE4D4D-4489-43CB-AD0C-52C4FD784155}" type="presParOf" srcId="{2B6BA8CE-B7CE-45D3-9889-D6C6D07FBD4F}" destId="{01FC1B27-E917-4E24-9C8C-137B2932FCC4}" srcOrd="3" destOrd="0" presId="urn:microsoft.com/office/officeart/2008/layout/AlternatingHexagons"/>
+    <dgm:cxn modelId="{BEFF9044-F090-492B-ABF5-C2D24C2B1DC7}" type="presParOf" srcId="{2B6BA8CE-B7CE-45D3-9889-D6C6D07FBD4F}" destId="{5F9E48C8-2BAE-4552-96C4-12B3D4560693}" srcOrd="4" destOrd="0" presId="urn:microsoft.com/office/officeart/2008/layout/AlternatingHexagons"/>
+    <dgm:cxn modelId="{5DD3EFE1-6483-4547-94CC-B50B3B5D6028}" type="presParOf" srcId="{A59CF98C-7BB1-4D38-B09E-E86F9FA34A54}" destId="{212C8D0F-D934-4438-B6DD-AE038E2E22EA}" srcOrd="3" destOrd="0" presId="urn:microsoft.com/office/officeart/2008/layout/AlternatingHexagons"/>
+    <dgm:cxn modelId="{92C7F341-5941-48AB-B33A-F2DCEAA98810}" type="presParOf" srcId="{A59CF98C-7BB1-4D38-B09E-E86F9FA34A54}" destId="{6333DB3E-ADAB-4068-9887-A311935A7811}" srcOrd="4" destOrd="0" presId="urn:microsoft.com/office/officeart/2008/layout/AlternatingHexagons"/>
+    <dgm:cxn modelId="{2F4F08C8-5710-42E7-A227-59BB31862F4A}" type="presParOf" srcId="{6333DB3E-ADAB-4068-9887-A311935A7811}" destId="{25ACBBCA-D0ED-4719-81D7-8E9B28FAE76F}" srcOrd="0" destOrd="0" presId="urn:microsoft.com/office/officeart/2008/layout/AlternatingHexagons"/>
+    <dgm:cxn modelId="{8FB4E159-DB4B-462F-87E1-62149E78B41F}" type="presParOf" srcId="{6333DB3E-ADAB-4068-9887-A311935A7811}" destId="{2F80F0F3-8B36-4874-8D06-5497DB91BE15}" srcOrd="1" destOrd="0" presId="urn:microsoft.com/office/officeart/2008/layout/AlternatingHexagons"/>
+    <dgm:cxn modelId="{1279F588-A4B5-49AB-BBD7-B073A21CF67C}" type="presParOf" srcId="{6333DB3E-ADAB-4068-9887-A311935A7811}" destId="{8B7F4AC0-E46E-40CD-A7E0-61D9E056968F}" srcOrd="2" destOrd="0" presId="urn:microsoft.com/office/officeart/2008/layout/AlternatingHexagons"/>
+    <dgm:cxn modelId="{A83BB147-BDC8-44F1-BA91-35EA3A8CA78C}" type="presParOf" srcId="{6333DB3E-ADAB-4068-9887-A311935A7811}" destId="{FE4C17EE-4523-457D-BBB8-31FD140B86E0}" srcOrd="3" destOrd="0" presId="urn:microsoft.com/office/officeart/2008/layout/AlternatingHexagons"/>
+    <dgm:cxn modelId="{5E21A9CA-C58F-4F32-AEBA-2C7B5BD56B1D}" type="presParOf" srcId="{6333DB3E-ADAB-4068-9887-A311935A7811}" destId="{26620150-6213-462A-B989-039B83B9DEB0}" srcOrd="4" destOrd="0" presId="urn:microsoft.com/office/officeart/2008/layout/AlternatingHexagons"/>
+  </dgm:cxnLst>
+  <dgm:bg/>
+  <dgm:whole/>
+  <dgm:extLst>
+    <a:ext uri="http://schemas.microsoft.com/office/drawing/2008/diagram">
+      <dsp:dataModelExt xmlns:dsp="http://schemas.microsoft.com/office/drawing/2008/diagram" relId="rId6" minVer="http://schemas.openxmlformats.org/drawingml/2006/diagram"/>
+    </a:ext>
+  </dgm:extLst>
+</dgm:dataModel>
+</file>
+
+<file path=ppt/diagrams/data4.xml><?xml version="1.0" encoding="utf-8"?>
+<dgm:dataModel xmlns:dgm="http://schemas.openxmlformats.org/drawingml/2006/diagram" xmlns:a="http://schemas.openxmlformats.org/drawingml/2006/main">
+  <dgm:ptLst>
+    <dgm:pt modelId="{B300F54D-9054-4609-B321-AD4B402C06AE}" type="doc">
+      <dgm:prSet loTypeId="urn:microsoft.com/office/officeart/2009/3/layout/SnapshotPictureList" loCatId="picture" qsTypeId="urn:microsoft.com/office/officeart/2005/8/quickstyle/simple1" qsCatId="simple" csTypeId="urn:microsoft.com/office/officeart/2005/8/colors/accent1_2" csCatId="accent1" phldr="1"/>
+      <dgm:spPr/>
+      <dgm:t>
+        <a:bodyPr/>
+        <a:lstStyle/>
+        <a:p>
+          <a:endParaRPr lang="en-US"/>
+        </a:p>
+      </dgm:t>
+    </dgm:pt>
+    <dgm:pt modelId="{A75EEB03-B975-4DE9-B2CD-70BC56C68A32}">
+      <dgm:prSet phldrT="[Text]" custT="1"/>
+      <dgm:spPr/>
+      <dgm:t>
+        <a:bodyPr/>
+        <a:lstStyle/>
+        <a:p>
+          <a:r>
+            <a:rPr lang="en-US" sz="1200" dirty="0" smtClean="0">
+              <a:solidFill>
+                <a:schemeClr val="accent1">
+                  <a:lumMod val="50000"/>
+                </a:schemeClr>
+              </a:solidFill>
+            </a:rPr>
+            <a:t>Products list</a:t>
+          </a:r>
+          <a:endParaRPr lang="en-US" sz="1200" dirty="0">
+            <a:solidFill>
+              <a:schemeClr val="accent1">
+                <a:lumMod val="50000"/>
+              </a:schemeClr>
+            </a:solidFill>
+          </a:endParaRPr>
+        </a:p>
+      </dgm:t>
+    </dgm:pt>
+    <dgm:pt modelId="{8857483B-8F2D-4B30-B25E-EDF164862EBA}" type="parTrans" cxnId="{890675CF-C375-4E79-B015-1A32F5B736F6}">
+      <dgm:prSet/>
+      <dgm:spPr/>
+      <dgm:t>
+        <a:bodyPr/>
+        <a:lstStyle/>
+        <a:p>
+          <a:endParaRPr lang="en-US"/>
+        </a:p>
+      </dgm:t>
+    </dgm:pt>
+    <dgm:pt modelId="{20D8EC34-D8A7-4850-973C-D6E9F55EC660}" type="sibTrans" cxnId="{890675CF-C375-4E79-B015-1A32F5B736F6}">
+      <dgm:prSet/>
+      <dgm:spPr/>
+      <dgm:t>
+        <a:bodyPr/>
+        <a:lstStyle/>
+        <a:p>
+          <a:endParaRPr lang="en-US"/>
+        </a:p>
+      </dgm:t>
+    </dgm:pt>
+    <dgm:pt modelId="{3045CF1B-822C-462F-9824-5E4CB5DAC64C}">
+      <dgm:prSet phldrT="[Text]"/>
+      <dgm:spPr/>
+      <dgm:t>
+        <a:bodyPr/>
+        <a:lstStyle/>
+        <a:p>
+          <a:r>
+            <a:rPr lang="en-US" dirty="0" smtClean="0">
+              <a:solidFill>
+                <a:schemeClr val="accent1">
+                  <a:lumMod val="50000"/>
+                </a:schemeClr>
+              </a:solidFill>
+            </a:rPr>
+            <a:t>Tea Shop with online order</a:t>
+          </a:r>
+          <a:endParaRPr lang="en-US" dirty="0">
+            <a:solidFill>
+              <a:schemeClr val="accent1">
+                <a:lumMod val="50000"/>
+              </a:schemeClr>
+            </a:solidFill>
+          </a:endParaRPr>
+        </a:p>
+      </dgm:t>
+    </dgm:pt>
+    <dgm:pt modelId="{648B85A0-E9A1-4EB4-BE6B-89B39A9B2D75}" type="parTrans" cxnId="{79BB2799-C727-40D6-B37C-76918A1FACA5}">
+      <dgm:prSet/>
+      <dgm:spPr/>
+      <dgm:t>
+        <a:bodyPr/>
+        <a:lstStyle/>
+        <a:p>
+          <a:endParaRPr lang="en-US"/>
+        </a:p>
+      </dgm:t>
+    </dgm:pt>
+    <dgm:pt modelId="{7E366803-267C-4B31-9553-1377CADE1D91}" type="sibTrans" cxnId="{79BB2799-C727-40D6-B37C-76918A1FACA5}">
+      <dgm:prSet/>
+      <dgm:spPr/>
+      <dgm:t>
+        <a:bodyPr/>
+        <a:lstStyle/>
+        <a:p>
+          <a:endParaRPr lang="en-US"/>
+        </a:p>
+      </dgm:t>
+    </dgm:pt>
+    <dgm:pt modelId="{CF09DBAB-BFB4-4839-926B-ADF2FF0749AF}" type="pres">
+      <dgm:prSet presAssocID="{B300F54D-9054-4609-B321-AD4B402C06AE}" presName="Name0" presStyleCnt="0">
+        <dgm:presLayoutVars>
+          <dgm:chMax/>
+          <dgm:chPref/>
+          <dgm:dir/>
+          <dgm:animLvl val="lvl"/>
+        </dgm:presLayoutVars>
+      </dgm:prSet>
+      <dgm:spPr/>
+      <dgm:t>
+        <a:bodyPr/>
+        <a:lstStyle/>
+        <a:p>
+          <a:endParaRPr lang="en-US"/>
+        </a:p>
+      </dgm:t>
+    </dgm:pt>
+    <dgm:pt modelId="{502338FE-50C9-45D2-8EAB-A367563EEB36}" type="pres">
+      <dgm:prSet presAssocID="{A75EEB03-B975-4DE9-B2CD-70BC56C68A32}" presName="composite" presStyleCnt="0"/>
+      <dgm:spPr/>
+    </dgm:pt>
+    <dgm:pt modelId="{6CB897D9-D46E-4A62-92BD-4AE194C87B55}" type="pres">
+      <dgm:prSet presAssocID="{A75EEB03-B975-4DE9-B2CD-70BC56C68A32}" presName="ParentAccentShape" presStyleLbl="trBgShp" presStyleIdx="0" presStyleCnt="2" custLinFactNeighborX="17728" custLinFactNeighborY="5551"/>
+      <dgm:spPr/>
+    </dgm:pt>
+    <dgm:pt modelId="{F56303B3-B13D-4559-B26E-61D19BDEDA55}" type="pres">
+      <dgm:prSet presAssocID="{A75EEB03-B975-4DE9-B2CD-70BC56C68A32}" presName="ParentText" presStyleLbl="revTx" presStyleIdx="0" presStyleCnt="2" custScaleX="100000" custScaleY="105134" custLinFactNeighborX="24386" custLinFactNeighborY="2799">
+        <dgm:presLayoutVars>
+          <dgm:chMax val="1"/>
+          <dgm:chPref val="1"/>
+          <dgm:bulletEnabled val="1"/>
+        </dgm:presLayoutVars>
+      </dgm:prSet>
+      <dgm:spPr/>
+      <dgm:t>
+        <a:bodyPr/>
+        <a:lstStyle/>
+        <a:p>
+          <a:endParaRPr lang="en-US"/>
+        </a:p>
+      </dgm:t>
+    </dgm:pt>
+    <dgm:pt modelId="{84296040-4B30-45C9-8C44-5287DCCC0D90}" type="pres">
+      <dgm:prSet presAssocID="{A75EEB03-B975-4DE9-B2CD-70BC56C68A32}" presName="ChildText" presStyleLbl="revTx" presStyleIdx="1" presStyleCnt="2" custScaleX="299838" custScaleY="65237" custLinFactX="-17403" custLinFactY="-6268" custLinFactNeighborX="-100000" custLinFactNeighborY="-100000">
+        <dgm:presLayoutVars>
+          <dgm:chMax val="0"/>
+          <dgm:chPref val="0"/>
+        </dgm:presLayoutVars>
+      </dgm:prSet>
+      <dgm:spPr/>
+      <dgm:t>
+        <a:bodyPr/>
+        <a:lstStyle/>
+        <a:p>
+          <a:endParaRPr lang="en-US"/>
+        </a:p>
+      </dgm:t>
+    </dgm:pt>
+    <dgm:pt modelId="{5D7F63AB-CC82-404E-9D5F-50598AB79644}" type="pres">
+      <dgm:prSet presAssocID="{A75EEB03-B975-4DE9-B2CD-70BC56C68A32}" presName="ChildAccentShape" presStyleLbl="trBgShp" presStyleIdx="1" presStyleCnt="2"/>
+      <dgm:spPr/>
+    </dgm:pt>
+    <dgm:pt modelId="{4FD06949-7970-46A6-8585-0578F6274187}" type="pres">
+      <dgm:prSet presAssocID="{A75EEB03-B975-4DE9-B2CD-70BC56C68A32}" presName="Image" presStyleLbl="alignImgPlace1" presStyleIdx="0" presStyleCnt="1" custLinFactNeighborX="13413" custLinFactNeighborY="-1761"/>
+      <dgm:spPr>
+        <a:blipFill rotWithShape="1">
+          <a:blip xmlns:r="http://schemas.openxmlformats.org/officeDocument/2006/relationships" r:embed="rId1"/>
+          <a:stretch>
+            <a:fillRect/>
+          </a:stretch>
+        </a:blipFill>
+      </dgm:spPr>
+    </dgm:pt>
+  </dgm:ptLst>
+  <dgm:cxnLst>
+    <dgm:cxn modelId="{1AACEF59-3588-4D2E-A8EB-53EE5BA6EF2F}" type="presOf" srcId="{B300F54D-9054-4609-B321-AD4B402C06AE}" destId="{CF09DBAB-BFB4-4839-926B-ADF2FF0749AF}" srcOrd="0" destOrd="0" presId="urn:microsoft.com/office/officeart/2009/3/layout/SnapshotPictureList"/>
+    <dgm:cxn modelId="{F941D407-C693-436C-AEA7-966B9ED9E686}" type="presOf" srcId="{A75EEB03-B975-4DE9-B2CD-70BC56C68A32}" destId="{F56303B3-B13D-4559-B26E-61D19BDEDA55}" srcOrd="0" destOrd="0" presId="urn:microsoft.com/office/officeart/2009/3/layout/SnapshotPictureList"/>
+    <dgm:cxn modelId="{C13B8EC2-C29B-418D-AB1D-7600398C3AB4}" type="presOf" srcId="{3045CF1B-822C-462F-9824-5E4CB5DAC64C}" destId="{84296040-4B30-45C9-8C44-5287DCCC0D90}" srcOrd="0" destOrd="0" presId="urn:microsoft.com/office/officeart/2009/3/layout/SnapshotPictureList"/>
+    <dgm:cxn modelId="{890675CF-C375-4E79-B015-1A32F5B736F6}" srcId="{B300F54D-9054-4609-B321-AD4B402C06AE}" destId="{A75EEB03-B975-4DE9-B2CD-70BC56C68A32}" srcOrd="0" destOrd="0" parTransId="{8857483B-8F2D-4B30-B25E-EDF164862EBA}" sibTransId="{20D8EC34-D8A7-4850-973C-D6E9F55EC660}"/>
+    <dgm:cxn modelId="{79BB2799-C727-40D6-B37C-76918A1FACA5}" srcId="{A75EEB03-B975-4DE9-B2CD-70BC56C68A32}" destId="{3045CF1B-822C-462F-9824-5E4CB5DAC64C}" srcOrd="0" destOrd="0" parTransId="{648B85A0-E9A1-4EB4-BE6B-89B39A9B2D75}" sibTransId="{7E366803-267C-4B31-9553-1377CADE1D91}"/>
+    <dgm:cxn modelId="{348EBA34-D7DD-41E6-B0BC-CC26FB5AD177}" type="presParOf" srcId="{CF09DBAB-BFB4-4839-926B-ADF2FF0749AF}" destId="{502338FE-50C9-45D2-8EAB-A367563EEB36}" srcOrd="0" destOrd="0" presId="urn:microsoft.com/office/officeart/2009/3/layout/SnapshotPictureList"/>
+    <dgm:cxn modelId="{00AB3824-C3D2-4928-BFB6-578E374D4D4F}" type="presParOf" srcId="{502338FE-50C9-45D2-8EAB-A367563EEB36}" destId="{6CB897D9-D46E-4A62-92BD-4AE194C87B55}" srcOrd="0" destOrd="0" presId="urn:microsoft.com/office/officeart/2009/3/layout/SnapshotPictureList"/>
+    <dgm:cxn modelId="{9921E1A0-7239-45D2-AF24-4D60F9420142}" type="presParOf" srcId="{502338FE-50C9-45D2-8EAB-A367563EEB36}" destId="{F56303B3-B13D-4559-B26E-61D19BDEDA55}" srcOrd="1" destOrd="0" presId="urn:microsoft.com/office/officeart/2009/3/layout/SnapshotPictureList"/>
+    <dgm:cxn modelId="{D51FC9E8-373E-405B-9D76-95EC4422C17D}" type="presParOf" srcId="{502338FE-50C9-45D2-8EAB-A367563EEB36}" destId="{84296040-4B30-45C9-8C44-5287DCCC0D90}" srcOrd="2" destOrd="0" presId="urn:microsoft.com/office/officeart/2009/3/layout/SnapshotPictureList"/>
+    <dgm:cxn modelId="{73472A7C-1634-4AE3-94C5-04AC246933A2}" type="presParOf" srcId="{502338FE-50C9-45D2-8EAB-A367563EEB36}" destId="{5D7F63AB-CC82-404E-9D5F-50598AB79644}" srcOrd="3" destOrd="0" presId="urn:microsoft.com/office/officeart/2009/3/layout/SnapshotPictureList"/>
+    <dgm:cxn modelId="{F61B6C7C-7AEC-4FD4-904B-42E941E3F1AB}" type="presParOf" srcId="{502338FE-50C9-45D2-8EAB-A367563EEB36}" destId="{4FD06949-7970-46A6-8585-0578F6274187}" srcOrd="4" destOrd="0" presId="urn:microsoft.com/office/officeart/2009/3/layout/SnapshotPictureList"/>
+  </dgm:cxnLst>
+  <dgm:bg/>
+  <dgm:whole/>
+  <dgm:extLst>
+    <a:ext uri="http://schemas.microsoft.com/office/drawing/2008/diagram">
+      <dsp:dataModelExt xmlns:dsp="http://schemas.microsoft.com/office/drawing/2008/diagram" relId="rId11" minVer="http://schemas.openxmlformats.org/drawingml/2006/diagram"/>
+    </a:ext>
+  </dgm:extLst>
+</dgm:dataModel>
+</file>
+
+<file path=ppt/diagrams/data5.xml><?xml version="1.0" encoding="utf-8"?>
+<dgm:dataModel xmlns:dgm="http://schemas.openxmlformats.org/drawingml/2006/diagram" xmlns:a="http://schemas.openxmlformats.org/drawingml/2006/main">
+  <dgm:ptLst>
     <dgm:pt modelId="{2AE4C07A-8462-4DFE-B332-C09B1CD63509}" type="doc">
       <dgm:prSet loTypeId="urn:microsoft.com/office/officeart/2005/8/layout/hList7" loCatId="list" qsTypeId="urn:microsoft.com/office/officeart/2005/8/quickstyle/simple1" qsCatId="simple" csTypeId="urn:microsoft.com/office/officeart/2005/8/colors/accent1_2" csCatId="accent1" phldr="1"/>
       <dgm:spPr/>
@@ -5626,571 +6207,6 @@
 </dgm:dataModel>
 </file>
 
-<file path=ppt/diagrams/data4.xml><?xml version="1.0" encoding="utf-8"?>
-<dgm:dataModel xmlns:dgm="http://schemas.openxmlformats.org/drawingml/2006/diagram" xmlns:a="http://schemas.openxmlformats.org/drawingml/2006/main">
-  <dgm:ptLst>
-    <dgm:pt modelId="{6FE47705-1FDA-4F86-9115-C56131118078}" type="doc">
-      <dgm:prSet loTypeId="urn:microsoft.com/office/officeart/2008/layout/AlternatingHexagons" loCatId="list" qsTypeId="urn:microsoft.com/office/officeart/2005/8/quickstyle/simple1" qsCatId="simple" csTypeId="urn:microsoft.com/office/officeart/2005/8/colors/accent1_2" csCatId="accent1" phldr="1"/>
-      <dgm:spPr/>
-      <dgm:t>
-        <a:bodyPr/>
-        <a:lstStyle/>
-        <a:p>
-          <a:endParaRPr lang="en-US"/>
-        </a:p>
-      </dgm:t>
-    </dgm:pt>
-    <dgm:pt modelId="{F0152C38-EE20-4331-9366-530CE190044A}">
-      <dgm:prSet phldrT="[Text]" custT="1"/>
-      <dgm:spPr/>
-      <dgm:t>
-        <a:bodyPr/>
-        <a:lstStyle/>
-        <a:p>
-          <a:endParaRPr lang="en-US" sz="1600" dirty="0"/>
-        </a:p>
-      </dgm:t>
-    </dgm:pt>
-    <dgm:pt modelId="{3B61123C-631D-4230-9BBD-B1C8C8FF3198}" type="parTrans" cxnId="{A7B20EDD-6AD3-4A6B-8ED1-A92E7398287E}">
-      <dgm:prSet/>
-      <dgm:spPr/>
-      <dgm:t>
-        <a:bodyPr/>
-        <a:lstStyle/>
-        <a:p>
-          <a:endParaRPr lang="en-US"/>
-        </a:p>
-      </dgm:t>
-    </dgm:pt>
-    <dgm:pt modelId="{197E6AEE-740B-447D-AA3E-791CF1827510}" type="sibTrans" cxnId="{A7B20EDD-6AD3-4A6B-8ED1-A92E7398287E}">
-      <dgm:prSet/>
-      <dgm:spPr/>
-      <dgm:t>
-        <a:bodyPr/>
-        <a:lstStyle/>
-        <a:p>
-          <a:endParaRPr lang="en-US"/>
-        </a:p>
-      </dgm:t>
-    </dgm:pt>
-    <dgm:pt modelId="{39E7AC14-1AFE-4F66-BFD6-C648B856ED30}">
-      <dgm:prSet phldrT="[Text]" custT="1"/>
-      <dgm:spPr>
-        <a:blipFill rotWithShape="0">
-          <a:blip xmlns:r="http://schemas.openxmlformats.org/officeDocument/2006/relationships" r:embed="rId1"/>
-          <a:stretch>
-            <a:fillRect/>
-          </a:stretch>
-        </a:blipFill>
-      </dgm:spPr>
-      <dgm:t>
-        <a:bodyPr/>
-        <a:lstStyle/>
-        <a:p>
-          <a:pPr algn="ctr"/>
-          <a:r>
-            <a:rPr lang="en-US" sz="3000" baseline="0" dirty="0" smtClean="0"/>
-            <a:t>    </a:t>
-          </a:r>
-          <a:r>
-            <a:rPr lang="en-US" sz="100" baseline="0" dirty="0" smtClean="0"/>
-            <a:t>.</a:t>
-          </a:r>
-          <a:endParaRPr lang="en-US" sz="100" dirty="0"/>
-        </a:p>
-      </dgm:t>
-    </dgm:pt>
-    <dgm:pt modelId="{A5027947-60EF-462B-AEF5-C81E94A49FD6}" type="sibTrans" cxnId="{160AFAA8-AAE2-48B5-8B2D-75DB6E8A304A}">
-      <dgm:prSet/>
-      <dgm:spPr/>
-      <dgm:t>
-        <a:bodyPr/>
-        <a:lstStyle/>
-        <a:p>
-          <a:endParaRPr lang="en-US"/>
-        </a:p>
-      </dgm:t>
-    </dgm:pt>
-    <dgm:pt modelId="{D119C49B-F827-4604-8FDC-A5B65722BB3A}" type="parTrans" cxnId="{160AFAA8-AAE2-48B5-8B2D-75DB6E8A304A}">
-      <dgm:prSet/>
-      <dgm:spPr/>
-      <dgm:t>
-        <a:bodyPr/>
-        <a:lstStyle/>
-        <a:p>
-          <a:endParaRPr lang="en-US"/>
-        </a:p>
-      </dgm:t>
-    </dgm:pt>
-    <dgm:pt modelId="{03B3231D-8275-412B-95B5-26B291DEDF9D}">
-      <dgm:prSet/>
-      <dgm:spPr/>
-      <dgm:t>
-        <a:bodyPr/>
-        <a:lstStyle/>
-        <a:p>
-          <a:endParaRPr lang="en-US"/>
-        </a:p>
-      </dgm:t>
-    </dgm:pt>
-    <dgm:pt modelId="{EBF01A67-AD63-4652-BFBD-264586CC0547}" type="parTrans" cxnId="{27CC0BAE-512C-47D2-B82E-7B3625969A75}">
-      <dgm:prSet/>
-      <dgm:spPr/>
-      <dgm:t>
-        <a:bodyPr/>
-        <a:lstStyle/>
-        <a:p>
-          <a:endParaRPr lang="en-US"/>
-        </a:p>
-      </dgm:t>
-    </dgm:pt>
-    <dgm:pt modelId="{CBF9917E-97D2-48B9-B5E0-82B04F41D301}" type="sibTrans" cxnId="{27CC0BAE-512C-47D2-B82E-7B3625969A75}">
-      <dgm:prSet/>
-      <dgm:spPr/>
-      <dgm:t>
-        <a:bodyPr/>
-        <a:lstStyle/>
-        <a:p>
-          <a:endParaRPr lang="en-US"/>
-        </a:p>
-      </dgm:t>
-    </dgm:pt>
-    <dgm:pt modelId="{A59CF98C-7BB1-4D38-B09E-E86F9FA34A54}" type="pres">
-      <dgm:prSet presAssocID="{6FE47705-1FDA-4F86-9115-C56131118078}" presName="Name0" presStyleCnt="0">
-        <dgm:presLayoutVars>
-          <dgm:chMax/>
-          <dgm:chPref/>
-          <dgm:dir/>
-          <dgm:animLvl val="lvl"/>
-        </dgm:presLayoutVars>
-      </dgm:prSet>
-      <dgm:spPr/>
-      <dgm:t>
-        <a:bodyPr/>
-        <a:lstStyle/>
-        <a:p>
-          <a:endParaRPr lang="en-US"/>
-        </a:p>
-      </dgm:t>
-    </dgm:pt>
-    <dgm:pt modelId="{8C253400-440A-4AFC-8B19-AF2EA690818B}" type="pres">
-      <dgm:prSet presAssocID="{F0152C38-EE20-4331-9366-530CE190044A}" presName="composite" presStyleCnt="0"/>
-      <dgm:spPr/>
-    </dgm:pt>
-    <dgm:pt modelId="{74E25874-7B44-4AEF-8A5C-E2DBAB171D3A}" type="pres">
-      <dgm:prSet presAssocID="{F0152C38-EE20-4331-9366-530CE190044A}" presName="Parent1" presStyleLbl="node1" presStyleIdx="0" presStyleCnt="6" custScaleX="100665">
-        <dgm:presLayoutVars>
-          <dgm:chMax val="1"/>
-          <dgm:chPref val="1"/>
-          <dgm:bulletEnabled val="1"/>
-        </dgm:presLayoutVars>
-      </dgm:prSet>
-      <dgm:spPr/>
-      <dgm:t>
-        <a:bodyPr/>
-        <a:lstStyle/>
-        <a:p>
-          <a:endParaRPr lang="en-US"/>
-        </a:p>
-      </dgm:t>
-    </dgm:pt>
-    <dgm:pt modelId="{AF0CC36C-6196-4035-AC9F-D32B22E1FB61}" type="pres">
-      <dgm:prSet presAssocID="{F0152C38-EE20-4331-9366-530CE190044A}" presName="Childtext1" presStyleLbl="revTx" presStyleIdx="0" presStyleCnt="3">
-        <dgm:presLayoutVars>
-          <dgm:chMax val="0"/>
-          <dgm:chPref val="0"/>
-          <dgm:bulletEnabled val="1"/>
-        </dgm:presLayoutVars>
-      </dgm:prSet>
-      <dgm:spPr/>
-      <dgm:t>
-        <a:bodyPr/>
-        <a:lstStyle/>
-        <a:p>
-          <a:endParaRPr lang="en-US"/>
-        </a:p>
-      </dgm:t>
-    </dgm:pt>
-    <dgm:pt modelId="{A9F1C4A4-F7DF-4CEA-BBC3-F1217C6A68A5}" type="pres">
-      <dgm:prSet presAssocID="{F0152C38-EE20-4331-9366-530CE190044A}" presName="BalanceSpacing" presStyleCnt="0"/>
-      <dgm:spPr/>
-    </dgm:pt>
-    <dgm:pt modelId="{16D9D4A8-87D9-4188-90E9-E512CE614A2C}" type="pres">
-      <dgm:prSet presAssocID="{F0152C38-EE20-4331-9366-530CE190044A}" presName="BalanceSpacing1" presStyleCnt="0"/>
-      <dgm:spPr/>
-    </dgm:pt>
-    <dgm:pt modelId="{0A87B856-38A4-4403-8583-A30D3A2B22CF}" type="pres">
-      <dgm:prSet presAssocID="{197E6AEE-740B-447D-AA3E-791CF1827510}" presName="Accent1Text" presStyleLbl="node1" presStyleIdx="1" presStyleCnt="6"/>
-      <dgm:spPr/>
-      <dgm:t>
-        <a:bodyPr/>
-        <a:lstStyle/>
-        <a:p>
-          <a:endParaRPr lang="en-US"/>
-        </a:p>
-      </dgm:t>
-    </dgm:pt>
-    <dgm:pt modelId="{FA93668B-45B5-4084-A4CE-94C33D338621}" type="pres">
-      <dgm:prSet presAssocID="{197E6AEE-740B-447D-AA3E-791CF1827510}" presName="spaceBetweenRectangles" presStyleCnt="0"/>
-      <dgm:spPr/>
-    </dgm:pt>
-    <dgm:pt modelId="{2B6BA8CE-B7CE-45D3-9889-D6C6D07FBD4F}" type="pres">
-      <dgm:prSet presAssocID="{39E7AC14-1AFE-4F66-BFD6-C648B856ED30}" presName="composite" presStyleCnt="0"/>
-      <dgm:spPr/>
-    </dgm:pt>
-    <dgm:pt modelId="{F8B15FD0-FFA0-4B8F-8CE3-51E20D838CAA}" type="pres">
-      <dgm:prSet presAssocID="{39E7AC14-1AFE-4F66-BFD6-C648B856ED30}" presName="Parent1" presStyleLbl="node1" presStyleIdx="2" presStyleCnt="6" custLinFactNeighborX="-2121" custLinFactNeighborY="-582">
-        <dgm:presLayoutVars>
-          <dgm:chMax val="1"/>
-          <dgm:chPref val="1"/>
-          <dgm:bulletEnabled val="1"/>
-        </dgm:presLayoutVars>
-      </dgm:prSet>
-      <dgm:spPr/>
-      <dgm:t>
-        <a:bodyPr/>
-        <a:lstStyle/>
-        <a:p>
-          <a:endParaRPr lang="en-US"/>
-        </a:p>
-      </dgm:t>
-    </dgm:pt>
-    <dgm:pt modelId="{589DF7BB-1E08-4FC9-A875-15D9C2B6070D}" type="pres">
-      <dgm:prSet presAssocID="{39E7AC14-1AFE-4F66-BFD6-C648B856ED30}" presName="Childtext1" presStyleLbl="revTx" presStyleIdx="1" presStyleCnt="3">
-        <dgm:presLayoutVars>
-          <dgm:chMax val="0"/>
-          <dgm:chPref val="0"/>
-          <dgm:bulletEnabled val="1"/>
-        </dgm:presLayoutVars>
-      </dgm:prSet>
-      <dgm:spPr/>
-    </dgm:pt>
-    <dgm:pt modelId="{7B188764-1085-41D2-B1ED-7EA5F810B242}" type="pres">
-      <dgm:prSet presAssocID="{39E7AC14-1AFE-4F66-BFD6-C648B856ED30}" presName="BalanceSpacing" presStyleCnt="0"/>
-      <dgm:spPr/>
-    </dgm:pt>
-    <dgm:pt modelId="{01FC1B27-E917-4E24-9C8C-137B2932FCC4}" type="pres">
-      <dgm:prSet presAssocID="{39E7AC14-1AFE-4F66-BFD6-C648B856ED30}" presName="BalanceSpacing1" presStyleCnt="0"/>
-      <dgm:spPr/>
-    </dgm:pt>
-    <dgm:pt modelId="{5F9E48C8-2BAE-4552-96C4-12B3D4560693}" type="pres">
-      <dgm:prSet presAssocID="{A5027947-60EF-462B-AEF5-C81E94A49FD6}" presName="Accent1Text" presStyleLbl="node1" presStyleIdx="3" presStyleCnt="6"/>
-      <dgm:spPr/>
-      <dgm:t>
-        <a:bodyPr/>
-        <a:lstStyle/>
-        <a:p>
-          <a:endParaRPr lang="en-US"/>
-        </a:p>
-      </dgm:t>
-    </dgm:pt>
-    <dgm:pt modelId="{212C8D0F-D934-4438-B6DD-AE038E2E22EA}" type="pres">
-      <dgm:prSet presAssocID="{A5027947-60EF-462B-AEF5-C81E94A49FD6}" presName="spaceBetweenRectangles" presStyleCnt="0"/>
-      <dgm:spPr/>
-    </dgm:pt>
-    <dgm:pt modelId="{6333DB3E-ADAB-4068-9887-A311935A7811}" type="pres">
-      <dgm:prSet presAssocID="{03B3231D-8275-412B-95B5-26B291DEDF9D}" presName="composite" presStyleCnt="0"/>
-      <dgm:spPr/>
-    </dgm:pt>
-    <dgm:pt modelId="{25ACBBCA-D0ED-4719-81D7-8E9B28FAE76F}" type="pres">
-      <dgm:prSet presAssocID="{03B3231D-8275-412B-95B5-26B291DEDF9D}" presName="Parent1" presStyleLbl="node1" presStyleIdx="4" presStyleCnt="6">
-        <dgm:presLayoutVars>
-          <dgm:chMax val="1"/>
-          <dgm:chPref val="1"/>
-          <dgm:bulletEnabled val="1"/>
-        </dgm:presLayoutVars>
-      </dgm:prSet>
-      <dgm:spPr/>
-      <dgm:t>
-        <a:bodyPr/>
-        <a:lstStyle/>
-        <a:p>
-          <a:endParaRPr lang="en-US"/>
-        </a:p>
-      </dgm:t>
-    </dgm:pt>
-    <dgm:pt modelId="{2F80F0F3-8B36-4874-8D06-5497DB91BE15}" type="pres">
-      <dgm:prSet presAssocID="{03B3231D-8275-412B-95B5-26B291DEDF9D}" presName="Childtext1" presStyleLbl="revTx" presStyleIdx="2" presStyleCnt="3">
-        <dgm:presLayoutVars>
-          <dgm:chMax val="0"/>
-          <dgm:chPref val="0"/>
-          <dgm:bulletEnabled val="1"/>
-        </dgm:presLayoutVars>
-      </dgm:prSet>
-      <dgm:spPr/>
-    </dgm:pt>
-    <dgm:pt modelId="{8B7F4AC0-E46E-40CD-A7E0-61D9E056968F}" type="pres">
-      <dgm:prSet presAssocID="{03B3231D-8275-412B-95B5-26B291DEDF9D}" presName="BalanceSpacing" presStyleCnt="0"/>
-      <dgm:spPr/>
-    </dgm:pt>
-    <dgm:pt modelId="{FE4C17EE-4523-457D-BBB8-31FD140B86E0}" type="pres">
-      <dgm:prSet presAssocID="{03B3231D-8275-412B-95B5-26B291DEDF9D}" presName="BalanceSpacing1" presStyleCnt="0"/>
-      <dgm:spPr/>
-    </dgm:pt>
-    <dgm:pt modelId="{26620150-6213-462A-B989-039B83B9DEB0}" type="pres">
-      <dgm:prSet presAssocID="{CBF9917E-97D2-48B9-B5E0-82B04F41D301}" presName="Accent1Text" presStyleLbl="node1" presStyleIdx="5" presStyleCnt="6"/>
-      <dgm:spPr/>
-      <dgm:t>
-        <a:bodyPr/>
-        <a:lstStyle/>
-        <a:p>
-          <a:endParaRPr lang="en-US"/>
-        </a:p>
-      </dgm:t>
-    </dgm:pt>
-  </dgm:ptLst>
-  <dgm:cxnLst>
-    <dgm:cxn modelId="{495AFBA7-90E2-416E-8E5C-5C3E04A66D96}" type="presOf" srcId="{A5027947-60EF-462B-AEF5-C81E94A49FD6}" destId="{5F9E48C8-2BAE-4552-96C4-12B3D4560693}" srcOrd="0" destOrd="0" presId="urn:microsoft.com/office/officeart/2008/layout/AlternatingHexagons"/>
-    <dgm:cxn modelId="{3F9540FD-66AE-4E73-9B8A-5215BF295F97}" type="presOf" srcId="{03B3231D-8275-412B-95B5-26B291DEDF9D}" destId="{25ACBBCA-D0ED-4719-81D7-8E9B28FAE76F}" srcOrd="0" destOrd="0" presId="urn:microsoft.com/office/officeart/2008/layout/AlternatingHexagons"/>
-    <dgm:cxn modelId="{160AFAA8-AAE2-48B5-8B2D-75DB6E8A304A}" srcId="{6FE47705-1FDA-4F86-9115-C56131118078}" destId="{39E7AC14-1AFE-4F66-BFD6-C648B856ED30}" srcOrd="1" destOrd="0" parTransId="{D119C49B-F827-4604-8FDC-A5B65722BB3A}" sibTransId="{A5027947-60EF-462B-AEF5-C81E94A49FD6}"/>
-    <dgm:cxn modelId="{27CC0BAE-512C-47D2-B82E-7B3625969A75}" srcId="{6FE47705-1FDA-4F86-9115-C56131118078}" destId="{03B3231D-8275-412B-95B5-26B291DEDF9D}" srcOrd="2" destOrd="0" parTransId="{EBF01A67-AD63-4652-BFBD-264586CC0547}" sibTransId="{CBF9917E-97D2-48B9-B5E0-82B04F41D301}"/>
-    <dgm:cxn modelId="{50EEFB4B-D290-4E77-A552-09BC4873DF3D}" type="presOf" srcId="{197E6AEE-740B-447D-AA3E-791CF1827510}" destId="{0A87B856-38A4-4403-8583-A30D3A2B22CF}" srcOrd="0" destOrd="0" presId="urn:microsoft.com/office/officeart/2008/layout/AlternatingHexagons"/>
-    <dgm:cxn modelId="{9AC3E00C-2D23-496A-A008-67F2BEDD426F}" type="presOf" srcId="{F0152C38-EE20-4331-9366-530CE190044A}" destId="{74E25874-7B44-4AEF-8A5C-E2DBAB171D3A}" srcOrd="0" destOrd="0" presId="urn:microsoft.com/office/officeart/2008/layout/AlternatingHexagons"/>
-    <dgm:cxn modelId="{912E7AFB-F46E-4CE1-8BAC-F60D0029A130}" type="presOf" srcId="{6FE47705-1FDA-4F86-9115-C56131118078}" destId="{A59CF98C-7BB1-4D38-B09E-E86F9FA34A54}" srcOrd="0" destOrd="0" presId="urn:microsoft.com/office/officeart/2008/layout/AlternatingHexagons"/>
-    <dgm:cxn modelId="{9A2BF801-1525-4877-B5EC-A0BF32632FCE}" type="presOf" srcId="{CBF9917E-97D2-48B9-B5E0-82B04F41D301}" destId="{26620150-6213-462A-B989-039B83B9DEB0}" srcOrd="0" destOrd="0" presId="urn:microsoft.com/office/officeart/2008/layout/AlternatingHexagons"/>
-    <dgm:cxn modelId="{C1B82EA8-55F8-4C6A-A317-E1C681A4505B}" type="presOf" srcId="{39E7AC14-1AFE-4F66-BFD6-C648B856ED30}" destId="{F8B15FD0-FFA0-4B8F-8CE3-51E20D838CAA}" srcOrd="0" destOrd="0" presId="urn:microsoft.com/office/officeart/2008/layout/AlternatingHexagons"/>
-    <dgm:cxn modelId="{A7B20EDD-6AD3-4A6B-8ED1-A92E7398287E}" srcId="{6FE47705-1FDA-4F86-9115-C56131118078}" destId="{F0152C38-EE20-4331-9366-530CE190044A}" srcOrd="0" destOrd="0" parTransId="{3B61123C-631D-4230-9BBD-B1C8C8FF3198}" sibTransId="{197E6AEE-740B-447D-AA3E-791CF1827510}"/>
-    <dgm:cxn modelId="{400B3DE2-07B2-4736-94D8-5C53F55F86A9}" type="presParOf" srcId="{A59CF98C-7BB1-4D38-B09E-E86F9FA34A54}" destId="{8C253400-440A-4AFC-8B19-AF2EA690818B}" srcOrd="0" destOrd="0" presId="urn:microsoft.com/office/officeart/2008/layout/AlternatingHexagons"/>
-    <dgm:cxn modelId="{77601EC6-88BA-4B2D-B304-3C4F95BE36F7}" type="presParOf" srcId="{8C253400-440A-4AFC-8B19-AF2EA690818B}" destId="{74E25874-7B44-4AEF-8A5C-E2DBAB171D3A}" srcOrd="0" destOrd="0" presId="urn:microsoft.com/office/officeart/2008/layout/AlternatingHexagons"/>
-    <dgm:cxn modelId="{75F46ADE-A94C-47C2-BFD0-712DC6F36265}" type="presParOf" srcId="{8C253400-440A-4AFC-8B19-AF2EA690818B}" destId="{AF0CC36C-6196-4035-AC9F-D32B22E1FB61}" srcOrd="1" destOrd="0" presId="urn:microsoft.com/office/officeart/2008/layout/AlternatingHexagons"/>
-    <dgm:cxn modelId="{067217EF-674B-4D27-9E1B-C25B428DAB0F}" type="presParOf" srcId="{8C253400-440A-4AFC-8B19-AF2EA690818B}" destId="{A9F1C4A4-F7DF-4CEA-BBC3-F1217C6A68A5}" srcOrd="2" destOrd="0" presId="urn:microsoft.com/office/officeart/2008/layout/AlternatingHexagons"/>
-    <dgm:cxn modelId="{1F55217E-B362-41A4-9C68-1C92007DB83E}" type="presParOf" srcId="{8C253400-440A-4AFC-8B19-AF2EA690818B}" destId="{16D9D4A8-87D9-4188-90E9-E512CE614A2C}" srcOrd="3" destOrd="0" presId="urn:microsoft.com/office/officeart/2008/layout/AlternatingHexagons"/>
-    <dgm:cxn modelId="{8021EBE8-6870-4AC4-9C03-A0F50BC1E040}" type="presParOf" srcId="{8C253400-440A-4AFC-8B19-AF2EA690818B}" destId="{0A87B856-38A4-4403-8583-A30D3A2B22CF}" srcOrd="4" destOrd="0" presId="urn:microsoft.com/office/officeart/2008/layout/AlternatingHexagons"/>
-    <dgm:cxn modelId="{45D9E794-FDB0-4B09-82DA-5F41C3DF0D2E}" type="presParOf" srcId="{A59CF98C-7BB1-4D38-B09E-E86F9FA34A54}" destId="{FA93668B-45B5-4084-A4CE-94C33D338621}" srcOrd="1" destOrd="0" presId="urn:microsoft.com/office/officeart/2008/layout/AlternatingHexagons"/>
-    <dgm:cxn modelId="{B962B69B-ACA5-4E40-BFDD-00322466D4FC}" type="presParOf" srcId="{A59CF98C-7BB1-4D38-B09E-E86F9FA34A54}" destId="{2B6BA8CE-B7CE-45D3-9889-D6C6D07FBD4F}" srcOrd="2" destOrd="0" presId="urn:microsoft.com/office/officeart/2008/layout/AlternatingHexagons"/>
-    <dgm:cxn modelId="{BCFAD5E0-0554-43BE-8F92-176B4751FE3A}" type="presParOf" srcId="{2B6BA8CE-B7CE-45D3-9889-D6C6D07FBD4F}" destId="{F8B15FD0-FFA0-4B8F-8CE3-51E20D838CAA}" srcOrd="0" destOrd="0" presId="urn:microsoft.com/office/officeart/2008/layout/AlternatingHexagons"/>
-    <dgm:cxn modelId="{4F7F9782-717F-414F-8C30-74908C37464A}" type="presParOf" srcId="{2B6BA8CE-B7CE-45D3-9889-D6C6D07FBD4F}" destId="{589DF7BB-1E08-4FC9-A875-15D9C2B6070D}" srcOrd="1" destOrd="0" presId="urn:microsoft.com/office/officeart/2008/layout/AlternatingHexagons"/>
-    <dgm:cxn modelId="{F243AD2A-82E4-4F88-9657-C961C55893C6}" type="presParOf" srcId="{2B6BA8CE-B7CE-45D3-9889-D6C6D07FBD4F}" destId="{7B188764-1085-41D2-B1ED-7EA5F810B242}" srcOrd="2" destOrd="0" presId="urn:microsoft.com/office/officeart/2008/layout/AlternatingHexagons"/>
-    <dgm:cxn modelId="{64AE4D4D-4489-43CB-AD0C-52C4FD784155}" type="presParOf" srcId="{2B6BA8CE-B7CE-45D3-9889-D6C6D07FBD4F}" destId="{01FC1B27-E917-4E24-9C8C-137B2932FCC4}" srcOrd="3" destOrd="0" presId="urn:microsoft.com/office/officeart/2008/layout/AlternatingHexagons"/>
-    <dgm:cxn modelId="{BEFF9044-F090-492B-ABF5-C2D24C2B1DC7}" type="presParOf" srcId="{2B6BA8CE-B7CE-45D3-9889-D6C6D07FBD4F}" destId="{5F9E48C8-2BAE-4552-96C4-12B3D4560693}" srcOrd="4" destOrd="0" presId="urn:microsoft.com/office/officeart/2008/layout/AlternatingHexagons"/>
-    <dgm:cxn modelId="{5DD3EFE1-6483-4547-94CC-B50B3B5D6028}" type="presParOf" srcId="{A59CF98C-7BB1-4D38-B09E-E86F9FA34A54}" destId="{212C8D0F-D934-4438-B6DD-AE038E2E22EA}" srcOrd="3" destOrd="0" presId="urn:microsoft.com/office/officeart/2008/layout/AlternatingHexagons"/>
-    <dgm:cxn modelId="{92C7F341-5941-48AB-B33A-F2DCEAA98810}" type="presParOf" srcId="{A59CF98C-7BB1-4D38-B09E-E86F9FA34A54}" destId="{6333DB3E-ADAB-4068-9887-A311935A7811}" srcOrd="4" destOrd="0" presId="urn:microsoft.com/office/officeart/2008/layout/AlternatingHexagons"/>
-    <dgm:cxn modelId="{2F4F08C8-5710-42E7-A227-59BB31862F4A}" type="presParOf" srcId="{6333DB3E-ADAB-4068-9887-A311935A7811}" destId="{25ACBBCA-D0ED-4719-81D7-8E9B28FAE76F}" srcOrd="0" destOrd="0" presId="urn:microsoft.com/office/officeart/2008/layout/AlternatingHexagons"/>
-    <dgm:cxn modelId="{8FB4E159-DB4B-462F-87E1-62149E78B41F}" type="presParOf" srcId="{6333DB3E-ADAB-4068-9887-A311935A7811}" destId="{2F80F0F3-8B36-4874-8D06-5497DB91BE15}" srcOrd="1" destOrd="0" presId="urn:microsoft.com/office/officeart/2008/layout/AlternatingHexagons"/>
-    <dgm:cxn modelId="{1279F588-A4B5-49AB-BBD7-B073A21CF67C}" type="presParOf" srcId="{6333DB3E-ADAB-4068-9887-A311935A7811}" destId="{8B7F4AC0-E46E-40CD-A7E0-61D9E056968F}" srcOrd="2" destOrd="0" presId="urn:microsoft.com/office/officeart/2008/layout/AlternatingHexagons"/>
-    <dgm:cxn modelId="{A83BB147-BDC8-44F1-BA91-35EA3A8CA78C}" type="presParOf" srcId="{6333DB3E-ADAB-4068-9887-A311935A7811}" destId="{FE4C17EE-4523-457D-BBB8-31FD140B86E0}" srcOrd="3" destOrd="0" presId="urn:microsoft.com/office/officeart/2008/layout/AlternatingHexagons"/>
-    <dgm:cxn modelId="{5E21A9CA-C58F-4F32-AEBA-2C7B5BD56B1D}" type="presParOf" srcId="{6333DB3E-ADAB-4068-9887-A311935A7811}" destId="{26620150-6213-462A-B989-039B83B9DEB0}" srcOrd="4" destOrd="0" presId="urn:microsoft.com/office/officeart/2008/layout/AlternatingHexagons"/>
-  </dgm:cxnLst>
-  <dgm:bg/>
-  <dgm:whole/>
-  <dgm:extLst>
-    <a:ext uri="http://schemas.microsoft.com/office/drawing/2008/diagram">
-      <dsp:dataModelExt xmlns:dsp="http://schemas.microsoft.com/office/drawing/2008/diagram" relId="rId6" minVer="http://schemas.openxmlformats.org/drawingml/2006/diagram"/>
-    </a:ext>
-  </dgm:extLst>
-</dgm:dataModel>
-</file>
-
-<file path=ppt/diagrams/data5.xml><?xml version="1.0" encoding="utf-8"?>
-<dgm:dataModel xmlns:dgm="http://schemas.openxmlformats.org/drawingml/2006/diagram" xmlns:a="http://schemas.openxmlformats.org/drawingml/2006/main">
-  <dgm:ptLst>
-    <dgm:pt modelId="{B300F54D-9054-4609-B321-AD4B402C06AE}" type="doc">
-      <dgm:prSet loTypeId="urn:microsoft.com/office/officeart/2009/3/layout/SnapshotPictureList" loCatId="picture" qsTypeId="urn:microsoft.com/office/officeart/2005/8/quickstyle/simple1" qsCatId="simple" csTypeId="urn:microsoft.com/office/officeart/2005/8/colors/accent1_2" csCatId="accent1" phldr="1"/>
-      <dgm:spPr/>
-      <dgm:t>
-        <a:bodyPr/>
-        <a:lstStyle/>
-        <a:p>
-          <a:endParaRPr lang="en-US"/>
-        </a:p>
-      </dgm:t>
-    </dgm:pt>
-    <dgm:pt modelId="{A75EEB03-B975-4DE9-B2CD-70BC56C68A32}">
-      <dgm:prSet phldrT="[Text]" custT="1"/>
-      <dgm:spPr/>
-      <dgm:t>
-        <a:bodyPr/>
-        <a:lstStyle/>
-        <a:p>
-          <a:r>
-            <a:rPr lang="en-US" sz="1200" dirty="0" smtClean="0">
-              <a:solidFill>
-                <a:schemeClr val="accent1">
-                  <a:lumMod val="50000"/>
-                </a:schemeClr>
-              </a:solidFill>
-            </a:rPr>
-            <a:t>Products list</a:t>
-          </a:r>
-          <a:endParaRPr lang="en-US" sz="1200" dirty="0">
-            <a:solidFill>
-              <a:schemeClr val="accent1">
-                <a:lumMod val="50000"/>
-              </a:schemeClr>
-            </a:solidFill>
-          </a:endParaRPr>
-        </a:p>
-      </dgm:t>
-    </dgm:pt>
-    <dgm:pt modelId="{8857483B-8F2D-4B30-B25E-EDF164862EBA}" type="parTrans" cxnId="{890675CF-C375-4E79-B015-1A32F5B736F6}">
-      <dgm:prSet/>
-      <dgm:spPr/>
-      <dgm:t>
-        <a:bodyPr/>
-        <a:lstStyle/>
-        <a:p>
-          <a:endParaRPr lang="en-US"/>
-        </a:p>
-      </dgm:t>
-    </dgm:pt>
-    <dgm:pt modelId="{20D8EC34-D8A7-4850-973C-D6E9F55EC660}" type="sibTrans" cxnId="{890675CF-C375-4E79-B015-1A32F5B736F6}">
-      <dgm:prSet/>
-      <dgm:spPr/>
-      <dgm:t>
-        <a:bodyPr/>
-        <a:lstStyle/>
-        <a:p>
-          <a:endParaRPr lang="en-US"/>
-        </a:p>
-      </dgm:t>
-    </dgm:pt>
-    <dgm:pt modelId="{3045CF1B-822C-462F-9824-5E4CB5DAC64C}">
-      <dgm:prSet phldrT="[Text]"/>
-      <dgm:spPr/>
-      <dgm:t>
-        <a:bodyPr/>
-        <a:lstStyle/>
-        <a:p>
-          <a:r>
-            <a:rPr lang="en-US" dirty="0" smtClean="0">
-              <a:solidFill>
-                <a:schemeClr val="accent1">
-                  <a:lumMod val="50000"/>
-                </a:schemeClr>
-              </a:solidFill>
-            </a:rPr>
-            <a:t>Tea Shop with online order</a:t>
-          </a:r>
-          <a:endParaRPr lang="en-US" dirty="0">
-            <a:solidFill>
-              <a:schemeClr val="accent1">
-                <a:lumMod val="50000"/>
-              </a:schemeClr>
-            </a:solidFill>
-          </a:endParaRPr>
-        </a:p>
-      </dgm:t>
-    </dgm:pt>
-    <dgm:pt modelId="{648B85A0-E9A1-4EB4-BE6B-89B39A9B2D75}" type="parTrans" cxnId="{79BB2799-C727-40D6-B37C-76918A1FACA5}">
-      <dgm:prSet/>
-      <dgm:spPr/>
-      <dgm:t>
-        <a:bodyPr/>
-        <a:lstStyle/>
-        <a:p>
-          <a:endParaRPr lang="en-US"/>
-        </a:p>
-      </dgm:t>
-    </dgm:pt>
-    <dgm:pt modelId="{7E366803-267C-4B31-9553-1377CADE1D91}" type="sibTrans" cxnId="{79BB2799-C727-40D6-B37C-76918A1FACA5}">
-      <dgm:prSet/>
-      <dgm:spPr/>
-      <dgm:t>
-        <a:bodyPr/>
-        <a:lstStyle/>
-        <a:p>
-          <a:endParaRPr lang="en-US"/>
-        </a:p>
-      </dgm:t>
-    </dgm:pt>
-    <dgm:pt modelId="{CF09DBAB-BFB4-4839-926B-ADF2FF0749AF}" type="pres">
-      <dgm:prSet presAssocID="{B300F54D-9054-4609-B321-AD4B402C06AE}" presName="Name0" presStyleCnt="0">
-        <dgm:presLayoutVars>
-          <dgm:chMax/>
-          <dgm:chPref/>
-          <dgm:dir/>
-          <dgm:animLvl val="lvl"/>
-        </dgm:presLayoutVars>
-      </dgm:prSet>
-      <dgm:spPr/>
-      <dgm:t>
-        <a:bodyPr/>
-        <a:lstStyle/>
-        <a:p>
-          <a:endParaRPr lang="en-US"/>
-        </a:p>
-      </dgm:t>
-    </dgm:pt>
-    <dgm:pt modelId="{502338FE-50C9-45D2-8EAB-A367563EEB36}" type="pres">
-      <dgm:prSet presAssocID="{A75EEB03-B975-4DE9-B2CD-70BC56C68A32}" presName="composite" presStyleCnt="0"/>
-      <dgm:spPr/>
-    </dgm:pt>
-    <dgm:pt modelId="{6CB897D9-D46E-4A62-92BD-4AE194C87B55}" type="pres">
-      <dgm:prSet presAssocID="{A75EEB03-B975-4DE9-B2CD-70BC56C68A32}" presName="ParentAccentShape" presStyleLbl="trBgShp" presStyleIdx="0" presStyleCnt="2" custLinFactNeighborX="17728" custLinFactNeighborY="5551"/>
-      <dgm:spPr/>
-    </dgm:pt>
-    <dgm:pt modelId="{F56303B3-B13D-4559-B26E-61D19BDEDA55}" type="pres">
-      <dgm:prSet presAssocID="{A75EEB03-B975-4DE9-B2CD-70BC56C68A32}" presName="ParentText" presStyleLbl="revTx" presStyleIdx="0" presStyleCnt="2" custScaleX="100000" custScaleY="105134" custLinFactNeighborX="24386" custLinFactNeighborY="2799">
-        <dgm:presLayoutVars>
-          <dgm:chMax val="1"/>
-          <dgm:chPref val="1"/>
-          <dgm:bulletEnabled val="1"/>
-        </dgm:presLayoutVars>
-      </dgm:prSet>
-      <dgm:spPr/>
-      <dgm:t>
-        <a:bodyPr/>
-        <a:lstStyle/>
-        <a:p>
-          <a:endParaRPr lang="en-US"/>
-        </a:p>
-      </dgm:t>
-    </dgm:pt>
-    <dgm:pt modelId="{84296040-4B30-45C9-8C44-5287DCCC0D90}" type="pres">
-      <dgm:prSet presAssocID="{A75EEB03-B975-4DE9-B2CD-70BC56C68A32}" presName="ChildText" presStyleLbl="revTx" presStyleIdx="1" presStyleCnt="2" custScaleX="299838" custScaleY="65237" custLinFactX="-17403" custLinFactY="-6268" custLinFactNeighborX="-100000" custLinFactNeighborY="-100000">
-        <dgm:presLayoutVars>
-          <dgm:chMax val="0"/>
-          <dgm:chPref val="0"/>
-        </dgm:presLayoutVars>
-      </dgm:prSet>
-      <dgm:spPr/>
-      <dgm:t>
-        <a:bodyPr/>
-        <a:lstStyle/>
-        <a:p>
-          <a:endParaRPr lang="en-US"/>
-        </a:p>
-      </dgm:t>
-    </dgm:pt>
-    <dgm:pt modelId="{5D7F63AB-CC82-404E-9D5F-50598AB79644}" type="pres">
-      <dgm:prSet presAssocID="{A75EEB03-B975-4DE9-B2CD-70BC56C68A32}" presName="ChildAccentShape" presStyleLbl="trBgShp" presStyleIdx="1" presStyleCnt="2"/>
-      <dgm:spPr/>
-    </dgm:pt>
-    <dgm:pt modelId="{4FD06949-7970-46A6-8585-0578F6274187}" type="pres">
-      <dgm:prSet presAssocID="{A75EEB03-B975-4DE9-B2CD-70BC56C68A32}" presName="Image" presStyleLbl="alignImgPlace1" presStyleIdx="0" presStyleCnt="1" custLinFactNeighborX="13413" custLinFactNeighborY="-1761"/>
-      <dgm:spPr>
-        <a:blipFill rotWithShape="1">
-          <a:blip xmlns:r="http://schemas.openxmlformats.org/officeDocument/2006/relationships" r:embed="rId1"/>
-          <a:stretch>
-            <a:fillRect/>
-          </a:stretch>
-        </a:blipFill>
-      </dgm:spPr>
-    </dgm:pt>
-  </dgm:ptLst>
-  <dgm:cxnLst>
-    <dgm:cxn modelId="{1AACEF59-3588-4D2E-A8EB-53EE5BA6EF2F}" type="presOf" srcId="{B300F54D-9054-4609-B321-AD4B402C06AE}" destId="{CF09DBAB-BFB4-4839-926B-ADF2FF0749AF}" srcOrd="0" destOrd="0" presId="urn:microsoft.com/office/officeart/2009/3/layout/SnapshotPictureList"/>
-    <dgm:cxn modelId="{F941D407-C693-436C-AEA7-966B9ED9E686}" type="presOf" srcId="{A75EEB03-B975-4DE9-B2CD-70BC56C68A32}" destId="{F56303B3-B13D-4559-B26E-61D19BDEDA55}" srcOrd="0" destOrd="0" presId="urn:microsoft.com/office/officeart/2009/3/layout/SnapshotPictureList"/>
-    <dgm:cxn modelId="{C13B8EC2-C29B-418D-AB1D-7600398C3AB4}" type="presOf" srcId="{3045CF1B-822C-462F-9824-5E4CB5DAC64C}" destId="{84296040-4B30-45C9-8C44-5287DCCC0D90}" srcOrd="0" destOrd="0" presId="urn:microsoft.com/office/officeart/2009/3/layout/SnapshotPictureList"/>
-    <dgm:cxn modelId="{890675CF-C375-4E79-B015-1A32F5B736F6}" srcId="{B300F54D-9054-4609-B321-AD4B402C06AE}" destId="{A75EEB03-B975-4DE9-B2CD-70BC56C68A32}" srcOrd="0" destOrd="0" parTransId="{8857483B-8F2D-4B30-B25E-EDF164862EBA}" sibTransId="{20D8EC34-D8A7-4850-973C-D6E9F55EC660}"/>
-    <dgm:cxn modelId="{79BB2799-C727-40D6-B37C-76918A1FACA5}" srcId="{A75EEB03-B975-4DE9-B2CD-70BC56C68A32}" destId="{3045CF1B-822C-462F-9824-5E4CB5DAC64C}" srcOrd="0" destOrd="0" parTransId="{648B85A0-E9A1-4EB4-BE6B-89B39A9B2D75}" sibTransId="{7E366803-267C-4B31-9553-1377CADE1D91}"/>
-    <dgm:cxn modelId="{348EBA34-D7DD-41E6-B0BC-CC26FB5AD177}" type="presParOf" srcId="{CF09DBAB-BFB4-4839-926B-ADF2FF0749AF}" destId="{502338FE-50C9-45D2-8EAB-A367563EEB36}" srcOrd="0" destOrd="0" presId="urn:microsoft.com/office/officeart/2009/3/layout/SnapshotPictureList"/>
-    <dgm:cxn modelId="{00AB3824-C3D2-4928-BFB6-578E374D4D4F}" type="presParOf" srcId="{502338FE-50C9-45D2-8EAB-A367563EEB36}" destId="{6CB897D9-D46E-4A62-92BD-4AE194C87B55}" srcOrd="0" destOrd="0" presId="urn:microsoft.com/office/officeart/2009/3/layout/SnapshotPictureList"/>
-    <dgm:cxn modelId="{9921E1A0-7239-45D2-AF24-4D60F9420142}" type="presParOf" srcId="{502338FE-50C9-45D2-8EAB-A367563EEB36}" destId="{F56303B3-B13D-4559-B26E-61D19BDEDA55}" srcOrd="1" destOrd="0" presId="urn:microsoft.com/office/officeart/2009/3/layout/SnapshotPictureList"/>
-    <dgm:cxn modelId="{D51FC9E8-373E-405B-9D76-95EC4422C17D}" type="presParOf" srcId="{502338FE-50C9-45D2-8EAB-A367563EEB36}" destId="{84296040-4B30-45C9-8C44-5287DCCC0D90}" srcOrd="2" destOrd="0" presId="urn:microsoft.com/office/officeart/2009/3/layout/SnapshotPictureList"/>
-    <dgm:cxn modelId="{73472A7C-1634-4AE3-94C5-04AC246933A2}" type="presParOf" srcId="{502338FE-50C9-45D2-8EAB-A367563EEB36}" destId="{5D7F63AB-CC82-404E-9D5F-50598AB79644}" srcOrd="3" destOrd="0" presId="urn:microsoft.com/office/officeart/2009/3/layout/SnapshotPictureList"/>
-    <dgm:cxn modelId="{F61B6C7C-7AEC-4FD4-904B-42E941E3F1AB}" type="presParOf" srcId="{502338FE-50C9-45D2-8EAB-A367563EEB36}" destId="{4FD06949-7970-46A6-8585-0578F6274187}" srcOrd="4" destOrd="0" presId="urn:microsoft.com/office/officeart/2009/3/layout/SnapshotPictureList"/>
-  </dgm:cxnLst>
-  <dgm:bg/>
-  <dgm:whole/>
-  <dgm:extLst>
-    <a:ext uri="http://schemas.microsoft.com/office/drawing/2008/diagram">
-      <dsp:dataModelExt xmlns:dsp="http://schemas.microsoft.com/office/drawing/2008/diagram" relId="rId11" minVer="http://schemas.openxmlformats.org/drawingml/2006/diagram"/>
-    </a:ext>
-  </dgm:extLst>
-</dgm:dataModel>
-</file>
-
 <file path=ppt/diagrams/data6.xml><?xml version="1.0" encoding="utf-8"?>
 <dgm:dataModel xmlns:dgm="http://schemas.openxmlformats.org/drawingml/2006/diagram" xmlns:a="http://schemas.openxmlformats.org/drawingml/2006/main">
   <dgm:ptLst>
@@ -6273,7 +6289,27 @@
                 </a:schemeClr>
               </a:solidFill>
             </a:rPr>
-            <a:t> I can add more products to the basket than are actually in stock (details page).</a:t>
+            <a:t> I can add more products to the basket </a:t>
+          </a:r>
+          <a:r>
+            <a:rPr lang="en-US" dirty="0" smtClean="0">
+              <a:solidFill>
+                <a:schemeClr val="accent1">
+                  <a:lumMod val="50000"/>
+                </a:schemeClr>
+              </a:solidFill>
+            </a:rPr>
+            <a:t>that </a:t>
+          </a:r>
+          <a:r>
+            <a:rPr lang="en-US" dirty="0" smtClean="0">
+              <a:solidFill>
+                <a:schemeClr val="accent1">
+                  <a:lumMod val="50000"/>
+                </a:schemeClr>
+              </a:solidFill>
+            </a:rPr>
+            <a:t>are actually in stock (details page).</a:t>
           </a:r>
           <a:endParaRPr lang="en-US" dirty="0">
             <a:solidFill>
@@ -6416,7 +6452,27 @@
                 </a:schemeClr>
               </a:solidFill>
             </a:rPr>
-            <a:t> The products added to the basket to be deducted from the stock.</a:t>
+            <a:t> </a:t>
+          </a:r>
+          <a:r>
+            <a:rPr lang="en-US" dirty="0" smtClean="0">
+              <a:solidFill>
+                <a:schemeClr val="accent1">
+                  <a:lumMod val="50000"/>
+                </a:schemeClr>
+              </a:solidFill>
+            </a:rPr>
+            <a:t>Products </a:t>
+          </a:r>
+          <a:r>
+            <a:rPr lang="en-US" dirty="0" smtClean="0">
+              <a:solidFill>
+                <a:schemeClr val="accent1">
+                  <a:lumMod val="50000"/>
+                </a:schemeClr>
+              </a:solidFill>
+            </a:rPr>
+            <a:t>added to the basket to be deducted from the stock.</a:t>
           </a:r>
           <a:endParaRPr lang="en-US" dirty="0">
             <a:solidFill>
@@ -6485,7 +6541,17 @@
                 </a:schemeClr>
               </a:solidFill>
             </a:rPr>
-            <a:t>” button, a new product will be added even if one or no fields have been filled (admin page).</a:t>
+            <a:t>” button, a new product will be added even </a:t>
+          </a:r>
+          <a:r>
+            <a:rPr lang="en-US" dirty="0" smtClean="0">
+              <a:solidFill>
+                <a:schemeClr val="accent1">
+                  <a:lumMod val="50000"/>
+                </a:schemeClr>
+              </a:solidFill>
+            </a:rPr>
+            <a:t>if no fields have been filled (admin page).</a:t>
           </a:r>
           <a:endParaRPr lang="en-US" dirty="0">
             <a:solidFill>
@@ -6670,8 +6736,8 @@
     <dgm:cxn modelId="{42851746-4CA3-4185-9C18-2705D51EF98F}" srcId="{18CC98F1-F72F-4FB5-8CF5-17E5E301C116}" destId="{E64F7926-4B6A-4D88-9426-E2C89E93E87C}" srcOrd="0" destOrd="0" parTransId="{EC128A12-4CB6-43F3-8862-AAA76465DE51}" sibTransId="{BC41220F-1061-4FCA-87FB-644A58BC24B4}"/>
     <dgm:cxn modelId="{D5F95382-842C-4C11-AE85-C0EE7C424857}" type="presOf" srcId="{4B68D6F3-0EF6-44BE-B66C-B16BEF6E338C}" destId="{E4D8595F-186C-42B4-8EDC-8520B6808960}" srcOrd="0" destOrd="0" presId="urn:microsoft.com/office/officeart/2005/8/layout/vList6"/>
     <dgm:cxn modelId="{AF6B0772-1813-4E29-8071-790E1B926909}" type="presOf" srcId="{8D67C72F-1D75-4BD4-ABE9-F3C499966C9A}" destId="{25645A02-CED0-4766-8972-31CEE5227DA6}" srcOrd="0" destOrd="1" presId="urn:microsoft.com/office/officeart/2005/8/layout/vList6"/>
+    <dgm:cxn modelId="{03D99F96-3744-49F7-9D7A-474B5407C1C8}" type="presOf" srcId="{E64F7926-4B6A-4D88-9426-E2C89E93E87C}" destId="{25645A02-CED0-4766-8972-31CEE5227DA6}" srcOrd="0" destOrd="0" presId="urn:microsoft.com/office/officeart/2005/8/layout/vList6"/>
     <dgm:cxn modelId="{209F0F44-8C71-48B9-8D20-862405883198}" type="presOf" srcId="{A8018DC6-FB53-4401-A46C-BEE4DDE54DC5}" destId="{43C51E60-BF24-469F-9D5A-D97644135FA5}" srcOrd="0" destOrd="0" presId="urn:microsoft.com/office/officeart/2005/8/layout/vList6"/>
-    <dgm:cxn modelId="{03D99F96-3744-49F7-9D7A-474B5407C1C8}" type="presOf" srcId="{E64F7926-4B6A-4D88-9426-E2C89E93E87C}" destId="{25645A02-CED0-4766-8972-31CEE5227DA6}" srcOrd="0" destOrd="0" presId="urn:microsoft.com/office/officeart/2005/8/layout/vList6"/>
     <dgm:cxn modelId="{70CB7ABC-8CEB-4F92-8A88-E9068446A669}" srcId="{4B68D6F3-0EF6-44BE-B66C-B16BEF6E338C}" destId="{A8018DC6-FB53-4401-A46C-BEE4DDE54DC5}" srcOrd="1" destOrd="0" parTransId="{AF89B818-DA97-4C2A-AC71-CE086788E5A2}" sibTransId="{58D2BB3E-86C9-4932-90B2-82D9A096E27D}"/>
     <dgm:cxn modelId="{EE37BBA3-E713-4844-BF3B-5A1B8CB27727}" srcId="{A8018DC6-FB53-4401-A46C-BEE4DDE54DC5}" destId="{C449CBE0-17C0-4E48-8062-9F8C6177CA7B}" srcOrd="2" destOrd="0" parTransId="{8F58689A-D163-4AEA-B3A9-BD2104B724BA}" sibTransId="{F73D29C4-EF0F-430F-A731-F2AB26CA3F13}"/>
     <dgm:cxn modelId="{A3238E9C-F5CF-452C-B32E-11293A2BEDEF}" srcId="{A8018DC6-FB53-4401-A46C-BEE4DDE54DC5}" destId="{D279D83B-4786-4978-9FE4-6BB47CB34B56}" srcOrd="1" destOrd="0" parTransId="{4639B546-37FD-4B6F-8D74-3D786FA28D08}" sibTransId="{42D4B44E-D801-4CEC-A2D3-18B13300867C}"/>
@@ -6787,7 +6853,23 @@
                 <a:schemeClr val="bg1"/>
               </a:solidFill>
             </a:rPr>
-            <a:t>Pleasure of Tea</a:t>
+            <a:t>Pleasure </a:t>
+          </a:r>
+          <a:r>
+            <a:rPr lang="en-US" sz="1700" kern="1200" dirty="0" smtClean="0">
+              <a:solidFill>
+                <a:schemeClr val="bg1"/>
+              </a:solidFill>
+            </a:rPr>
+            <a:t>for </a:t>
+          </a:r>
+          <a:r>
+            <a:rPr lang="en-US" sz="1700" kern="1200" dirty="0" smtClean="0">
+              <a:solidFill>
+                <a:schemeClr val="bg1"/>
+              </a:solidFill>
+            </a:rPr>
+            <a:t>Tea</a:t>
           </a:r>
           <a:endParaRPr lang="en-US" sz="1700" kern="1200" dirty="0">
             <a:solidFill>
@@ -7619,450 +7701,6 @@
       <dsp:cNvGrpSpPr/>
     </dsp:nvGrpSpPr>
     <dsp:grpSpPr/>
-    <dsp:sp modelId="{D91C99F4-A7EF-4254-B44B-FA3A13909A6D}">
-      <dsp:nvSpPr>
-        <dsp:cNvPr id="0" name=""/>
-        <dsp:cNvSpPr/>
-      </dsp:nvSpPr>
-      <dsp:spPr>
-        <a:xfrm>
-          <a:off x="1279" y="0"/>
-          <a:ext cx="1991320" cy="4064000"/>
-        </a:xfrm>
-        <a:prstGeom prst="roundRect">
-          <a:avLst>
-            <a:gd name="adj" fmla="val 10000"/>
-          </a:avLst>
-        </a:prstGeom>
-        <a:solidFill>
-          <a:schemeClr val="accent1">
-            <a:lumMod val="50000"/>
-          </a:schemeClr>
-        </a:solidFill>
-        <a:ln w="15875" cap="flat" cmpd="sng" algn="ctr">
-          <a:solidFill>
-            <a:schemeClr val="lt1">
-              <a:hueOff val="0"/>
-              <a:satOff val="0"/>
-              <a:lumOff val="0"/>
-              <a:alphaOff val="0"/>
-            </a:schemeClr>
-          </a:solidFill>
-          <a:prstDash val="solid"/>
-        </a:ln>
-        <a:effectLst/>
-      </dsp:spPr>
-      <dsp:style>
-        <a:lnRef idx="2">
-          <a:scrgbClr r="0" g="0" b="0"/>
-        </a:lnRef>
-        <a:fillRef idx="1">
-          <a:scrgbClr r="0" g="0" b="0"/>
-        </a:fillRef>
-        <a:effectRef idx="0">
-          <a:scrgbClr r="0" g="0" b="0"/>
-        </a:effectRef>
-        <a:fontRef idx="minor">
-          <a:schemeClr val="lt1"/>
-        </a:fontRef>
-      </dsp:style>
-      <dsp:txBody>
-        <a:bodyPr spcFirstLastPara="0" vert="horz" wrap="square" lIns="120904" tIns="120904" rIns="120904" bIns="120904" numCol="1" spcCol="1270" anchor="ctr" anchorCtr="0">
-          <a:noAutofit/>
-        </a:bodyPr>
-        <a:lstStyle/>
-        <a:p>
-          <a:pPr lvl="0" algn="ctr" defTabSz="755650">
-            <a:lnSpc>
-              <a:spcPct val="90000"/>
-            </a:lnSpc>
-            <a:spcBef>
-              <a:spcPct val="0"/>
-            </a:spcBef>
-            <a:spcAft>
-              <a:spcPct val="35000"/>
-            </a:spcAft>
-          </a:pPr>
-          <a:r>
-            <a:rPr lang="en-US" sz="1700" kern="1200" dirty="0" smtClean="0"/>
-            <a:t>Creation</a:t>
-          </a:r>
-          <a:endParaRPr lang="en-US" sz="1700" kern="1200" dirty="0"/>
-        </a:p>
-      </dsp:txBody>
-      <dsp:txXfrm>
-        <a:off x="1279" y="1625600"/>
-        <a:ext cx="1991320" cy="1625600"/>
-      </dsp:txXfrm>
-    </dsp:sp>
-    <dsp:sp modelId="{C9C442B0-CF87-4FBC-9FF1-1DDF80DDF231}">
-      <dsp:nvSpPr>
-        <dsp:cNvPr id="0" name=""/>
-        <dsp:cNvSpPr/>
-      </dsp:nvSpPr>
-      <dsp:spPr>
-        <a:xfrm>
-          <a:off x="76200" y="126995"/>
-          <a:ext cx="1816117" cy="1765801"/>
-        </a:xfrm>
-        <a:prstGeom prst="ellipse">
-          <a:avLst/>
-        </a:prstGeom>
-        <a:blipFill>
-          <a:blip xmlns:r="http://schemas.openxmlformats.org/officeDocument/2006/relationships" r:embed="rId1">
-            <a:extLst>
-              <a:ext uri="{28A0092B-C50C-407E-A947-70E740481C1C}">
-                <a14:useLocalDpi xmlns:a14="http://schemas.microsoft.com/office/drawing/2010/main" val="0"/>
-              </a:ext>
-            </a:extLst>
-          </a:blip>
-          <a:srcRect/>
-          <a:stretch>
-            <a:fillRect l="-9000" r="-9000"/>
-          </a:stretch>
-        </a:blipFill>
-        <a:ln w="15875" cap="flat" cmpd="sng" algn="ctr">
-          <a:solidFill>
-            <a:schemeClr val="lt1">
-              <a:hueOff val="0"/>
-              <a:satOff val="0"/>
-              <a:lumOff val="0"/>
-              <a:alphaOff val="0"/>
-            </a:schemeClr>
-          </a:solidFill>
-          <a:prstDash val="solid"/>
-        </a:ln>
-        <a:effectLst/>
-      </dsp:spPr>
-      <dsp:style>
-        <a:lnRef idx="2">
-          <a:scrgbClr r="0" g="0" b="0"/>
-        </a:lnRef>
-        <a:fillRef idx="1">
-          <a:scrgbClr r="0" g="0" b="0"/>
-        </a:fillRef>
-        <a:effectRef idx="0">
-          <a:scrgbClr r="0" g="0" b="0"/>
-        </a:effectRef>
-        <a:fontRef idx="minor"/>
-      </dsp:style>
-    </dsp:sp>
-    <dsp:sp modelId="{BF393B80-C46F-4B9F-854F-9EDC03DDDB1F}">
-      <dsp:nvSpPr>
-        <dsp:cNvPr id="0" name=""/>
-        <dsp:cNvSpPr/>
-      </dsp:nvSpPr>
-      <dsp:spPr>
-        <a:xfrm>
-          <a:off x="2052339" y="0"/>
-          <a:ext cx="1991320" cy="4064000"/>
-        </a:xfrm>
-        <a:prstGeom prst="roundRect">
-          <a:avLst>
-            <a:gd name="adj" fmla="val 10000"/>
-          </a:avLst>
-        </a:prstGeom>
-        <a:solidFill>
-          <a:schemeClr val="accent1">
-            <a:lumMod val="50000"/>
-          </a:schemeClr>
-        </a:solidFill>
-        <a:ln w="15875" cap="flat" cmpd="sng" algn="ctr">
-          <a:solidFill>
-            <a:schemeClr val="lt1">
-              <a:hueOff val="0"/>
-              <a:satOff val="0"/>
-              <a:lumOff val="0"/>
-              <a:alphaOff val="0"/>
-            </a:schemeClr>
-          </a:solidFill>
-          <a:prstDash val="solid"/>
-        </a:ln>
-        <a:effectLst/>
-      </dsp:spPr>
-      <dsp:style>
-        <a:lnRef idx="2">
-          <a:scrgbClr r="0" g="0" b="0"/>
-        </a:lnRef>
-        <a:fillRef idx="1">
-          <a:scrgbClr r="0" g="0" b="0"/>
-        </a:fillRef>
-        <a:effectRef idx="0">
-          <a:scrgbClr r="0" g="0" b="0"/>
-        </a:effectRef>
-        <a:fontRef idx="minor">
-          <a:schemeClr val="lt1"/>
-        </a:fontRef>
-      </dsp:style>
-      <dsp:txBody>
-        <a:bodyPr spcFirstLastPara="0" vert="horz" wrap="square" lIns="120904" tIns="120904" rIns="120904" bIns="120904" numCol="1" spcCol="1270" anchor="ctr" anchorCtr="0">
-          <a:noAutofit/>
-        </a:bodyPr>
-        <a:lstStyle/>
-        <a:p>
-          <a:pPr lvl="0" algn="ctr" defTabSz="755650">
-            <a:lnSpc>
-              <a:spcPct val="90000"/>
-            </a:lnSpc>
-            <a:spcBef>
-              <a:spcPct val="0"/>
-            </a:spcBef>
-            <a:spcAft>
-              <a:spcPct val="35000"/>
-            </a:spcAft>
-          </a:pPr>
-          <a:r>
-            <a:rPr lang="en-US" sz="1700" kern="1200" dirty="0" smtClean="0"/>
-            <a:t>Communication</a:t>
-          </a:r>
-          <a:endParaRPr lang="en-US" sz="1700" kern="1200" dirty="0"/>
-        </a:p>
-      </dsp:txBody>
-      <dsp:txXfrm>
-        <a:off x="2052339" y="1625600"/>
-        <a:ext cx="1991320" cy="1625600"/>
-      </dsp:txXfrm>
-    </dsp:sp>
-    <dsp:sp modelId="{E7709B54-6956-4FF2-9A9F-78CE64EAFCB4}">
-      <dsp:nvSpPr>
-        <dsp:cNvPr id="0" name=""/>
-        <dsp:cNvSpPr/>
-      </dsp:nvSpPr>
-      <dsp:spPr>
-        <a:xfrm>
-          <a:off x="2133600" y="126995"/>
-          <a:ext cx="1828798" cy="1765801"/>
-        </a:xfrm>
-        <a:prstGeom prst="ellipse">
-          <a:avLst/>
-        </a:prstGeom>
-        <a:blipFill>
-          <a:blip xmlns:r="http://schemas.openxmlformats.org/officeDocument/2006/relationships" r:embed="rId2">
-            <a:extLst>
-              <a:ext uri="{28A0092B-C50C-407E-A947-70E740481C1C}">
-                <a14:useLocalDpi xmlns:a14="http://schemas.microsoft.com/office/drawing/2010/main" val="0"/>
-              </a:ext>
-            </a:extLst>
-          </a:blip>
-          <a:srcRect/>
-          <a:stretch>
-            <a:fillRect l="-13000" r="-13000"/>
-          </a:stretch>
-        </a:blipFill>
-        <a:ln w="15875" cap="flat" cmpd="sng" algn="ctr">
-          <a:solidFill>
-            <a:schemeClr val="lt1">
-              <a:hueOff val="0"/>
-              <a:satOff val="0"/>
-              <a:lumOff val="0"/>
-              <a:alphaOff val="0"/>
-            </a:schemeClr>
-          </a:solidFill>
-          <a:prstDash val="solid"/>
-        </a:ln>
-        <a:effectLst/>
-      </dsp:spPr>
-      <dsp:style>
-        <a:lnRef idx="2">
-          <a:scrgbClr r="0" g="0" b="0"/>
-        </a:lnRef>
-        <a:fillRef idx="1">
-          <a:scrgbClr r="0" g="0" b="0"/>
-        </a:fillRef>
-        <a:effectRef idx="0">
-          <a:scrgbClr r="0" g="0" b="0"/>
-        </a:effectRef>
-        <a:fontRef idx="minor"/>
-      </dsp:style>
-    </dsp:sp>
-    <dsp:sp modelId="{360B41D4-55E0-4283-8C65-6A00D372C228}">
-      <dsp:nvSpPr>
-        <dsp:cNvPr id="0" name=""/>
-        <dsp:cNvSpPr/>
-      </dsp:nvSpPr>
-      <dsp:spPr>
-        <a:xfrm>
-          <a:off x="4103399" y="0"/>
-          <a:ext cx="1991320" cy="4064000"/>
-        </a:xfrm>
-        <a:prstGeom prst="roundRect">
-          <a:avLst>
-            <a:gd name="adj" fmla="val 10000"/>
-          </a:avLst>
-        </a:prstGeom>
-        <a:solidFill>
-          <a:schemeClr val="accent1">
-            <a:lumMod val="50000"/>
-          </a:schemeClr>
-        </a:solidFill>
-        <a:ln w="15875" cap="flat" cmpd="sng" algn="ctr">
-          <a:solidFill>
-            <a:schemeClr val="lt1">
-              <a:hueOff val="0"/>
-              <a:satOff val="0"/>
-              <a:lumOff val="0"/>
-              <a:alphaOff val="0"/>
-            </a:schemeClr>
-          </a:solidFill>
-          <a:prstDash val="solid"/>
-        </a:ln>
-        <a:effectLst/>
-      </dsp:spPr>
-      <dsp:style>
-        <a:lnRef idx="2">
-          <a:scrgbClr r="0" g="0" b="0"/>
-        </a:lnRef>
-        <a:fillRef idx="1">
-          <a:scrgbClr r="0" g="0" b="0"/>
-        </a:fillRef>
-        <a:effectRef idx="0">
-          <a:scrgbClr r="0" g="0" b="0"/>
-        </a:effectRef>
-        <a:fontRef idx="minor">
-          <a:schemeClr val="lt1"/>
-        </a:fontRef>
-      </dsp:style>
-      <dsp:txBody>
-        <a:bodyPr spcFirstLastPara="0" vert="horz" wrap="square" lIns="120904" tIns="120904" rIns="120904" bIns="120904" numCol="1" spcCol="1270" anchor="ctr" anchorCtr="0">
-          <a:noAutofit/>
-        </a:bodyPr>
-        <a:lstStyle/>
-        <a:p>
-          <a:pPr lvl="0" algn="ctr" defTabSz="755650">
-            <a:lnSpc>
-              <a:spcPct val="90000"/>
-            </a:lnSpc>
-            <a:spcBef>
-              <a:spcPct val="0"/>
-            </a:spcBef>
-            <a:spcAft>
-              <a:spcPct val="35000"/>
-            </a:spcAft>
-          </a:pPr>
-          <a:r>
-            <a:rPr lang="en-US" sz="1700" kern="1200" dirty="0" smtClean="0"/>
-            <a:t>Stylization</a:t>
-          </a:r>
-          <a:endParaRPr lang="en-US" sz="1700" kern="1200" dirty="0"/>
-        </a:p>
-      </dsp:txBody>
-      <dsp:txXfrm>
-        <a:off x="4103399" y="1625600"/>
-        <a:ext cx="1991320" cy="1625600"/>
-      </dsp:txXfrm>
-    </dsp:sp>
-    <dsp:sp modelId="{34C88B4B-77CA-40CB-9389-48AEC2689748}">
-      <dsp:nvSpPr>
-        <dsp:cNvPr id="0" name=""/>
-        <dsp:cNvSpPr/>
-      </dsp:nvSpPr>
-      <dsp:spPr>
-        <a:xfrm>
-          <a:off x="4267199" y="126995"/>
-          <a:ext cx="1689082" cy="1765801"/>
-        </a:xfrm>
-        <a:prstGeom prst="ellipse">
-          <a:avLst/>
-        </a:prstGeom>
-        <a:blipFill>
-          <a:blip xmlns:r="http://schemas.openxmlformats.org/officeDocument/2006/relationships" r:embed="rId3" cstate="print">
-            <a:extLst>
-              <a:ext uri="{28A0092B-C50C-407E-A947-70E740481C1C}">
-                <a14:useLocalDpi xmlns:a14="http://schemas.microsoft.com/office/drawing/2010/main" val="0"/>
-              </a:ext>
-            </a:extLst>
-          </a:blip>
-          <a:srcRect/>
-          <a:stretch>
-            <a:fillRect t="-1000" b="-1000"/>
-          </a:stretch>
-        </a:blipFill>
-        <a:ln w="15875" cap="flat" cmpd="sng" algn="ctr">
-          <a:solidFill>
-            <a:schemeClr val="lt1">
-              <a:hueOff val="0"/>
-              <a:satOff val="0"/>
-              <a:lumOff val="0"/>
-              <a:alphaOff val="0"/>
-            </a:schemeClr>
-          </a:solidFill>
-          <a:prstDash val="solid"/>
-        </a:ln>
-        <a:effectLst/>
-      </dsp:spPr>
-      <dsp:style>
-        <a:lnRef idx="2">
-          <a:scrgbClr r="0" g="0" b="0"/>
-        </a:lnRef>
-        <a:fillRef idx="1">
-          <a:scrgbClr r="0" g="0" b="0"/>
-        </a:fillRef>
-        <a:effectRef idx="0">
-          <a:scrgbClr r="0" g="0" b="0"/>
-        </a:effectRef>
-        <a:fontRef idx="minor"/>
-      </dsp:style>
-    </dsp:sp>
-    <dsp:sp modelId="{6AE1F591-1889-4CAB-BA52-DD749FBED5B2}">
-      <dsp:nvSpPr>
-        <dsp:cNvPr id="0" name=""/>
-        <dsp:cNvSpPr/>
-      </dsp:nvSpPr>
-      <dsp:spPr>
-        <a:xfrm>
-          <a:off x="243839" y="3251200"/>
-          <a:ext cx="5608320" cy="609600"/>
-        </a:xfrm>
-        <a:prstGeom prst="leftRightArrow">
-          <a:avLst/>
-        </a:prstGeom>
-        <a:solidFill>
-          <a:schemeClr val="accent1">
-            <a:tint val="60000"/>
-            <a:hueOff val="0"/>
-            <a:satOff val="0"/>
-            <a:lumOff val="0"/>
-            <a:alphaOff val="0"/>
-          </a:schemeClr>
-        </a:solidFill>
-        <a:ln w="15875" cap="flat" cmpd="sng" algn="ctr">
-          <a:solidFill>
-            <a:schemeClr val="lt1">
-              <a:hueOff val="0"/>
-              <a:satOff val="0"/>
-              <a:lumOff val="0"/>
-              <a:alphaOff val="0"/>
-            </a:schemeClr>
-          </a:solidFill>
-          <a:prstDash val="solid"/>
-        </a:ln>
-        <a:effectLst/>
-      </dsp:spPr>
-      <dsp:style>
-        <a:lnRef idx="2">
-          <a:scrgbClr r="0" g="0" b="0"/>
-        </a:lnRef>
-        <a:fillRef idx="1">
-          <a:scrgbClr r="0" g="0" b="0"/>
-        </a:fillRef>
-        <a:effectRef idx="0">
-          <a:scrgbClr r="0" g="0" b="0"/>
-        </a:effectRef>
-        <a:fontRef idx="minor"/>
-      </dsp:style>
-    </dsp:sp>
-  </dsp:spTree>
-</dsp:drawing>
-</file>
-
-<file path=ppt/diagrams/drawing4.xml><?xml version="1.0" encoding="utf-8"?>
-<dsp:drawing xmlns:dgm="http://schemas.openxmlformats.org/drawingml/2006/diagram" xmlns:dsp="http://schemas.microsoft.com/office/drawing/2008/diagram" xmlns:a="http://schemas.openxmlformats.org/drawingml/2006/main">
-  <dsp:spTree>
-    <dsp:nvGrpSpPr>
-      <dsp:cNvPr id="0" name=""/>
-      <dsp:cNvGrpSpPr/>
-    </dsp:nvGrpSpPr>
-    <dsp:grpSpPr/>
     <dsp:sp modelId="{74E25874-7B44-4AEF-8A5C-E2DBAB171D3A}">
       <dsp:nvSpPr>
         <dsp:cNvPr id="0" name=""/>
@@ -8625,7 +8263,7 @@
 </dsp:drawing>
 </file>
 
-<file path=ppt/diagrams/drawing5.xml><?xml version="1.0" encoding="utf-8"?>
+<file path=ppt/diagrams/drawing4.xml><?xml version="1.0" encoding="utf-8"?>
 <dsp:drawing xmlns:dgm="http://schemas.openxmlformats.org/drawingml/2006/diagram" xmlns:dsp="http://schemas.microsoft.com/office/drawing/2008/diagram" xmlns:a="http://schemas.openxmlformats.org/drawingml/2006/main">
   <dsp:spTree>
     <dsp:nvGrpSpPr>
@@ -8910,6 +8548,450 @@
 </dsp:drawing>
 </file>
 
+<file path=ppt/diagrams/drawing5.xml><?xml version="1.0" encoding="utf-8"?>
+<dsp:drawing xmlns:dgm="http://schemas.openxmlformats.org/drawingml/2006/diagram" xmlns:dsp="http://schemas.microsoft.com/office/drawing/2008/diagram" xmlns:a="http://schemas.openxmlformats.org/drawingml/2006/main">
+  <dsp:spTree>
+    <dsp:nvGrpSpPr>
+      <dsp:cNvPr id="0" name=""/>
+      <dsp:cNvGrpSpPr/>
+    </dsp:nvGrpSpPr>
+    <dsp:grpSpPr/>
+    <dsp:sp modelId="{D91C99F4-A7EF-4254-B44B-FA3A13909A6D}">
+      <dsp:nvSpPr>
+        <dsp:cNvPr id="0" name=""/>
+        <dsp:cNvSpPr/>
+      </dsp:nvSpPr>
+      <dsp:spPr>
+        <a:xfrm>
+          <a:off x="1279" y="0"/>
+          <a:ext cx="1991320" cy="4064000"/>
+        </a:xfrm>
+        <a:prstGeom prst="roundRect">
+          <a:avLst>
+            <a:gd name="adj" fmla="val 10000"/>
+          </a:avLst>
+        </a:prstGeom>
+        <a:solidFill>
+          <a:schemeClr val="accent1">
+            <a:lumMod val="50000"/>
+          </a:schemeClr>
+        </a:solidFill>
+        <a:ln w="15875" cap="flat" cmpd="sng" algn="ctr">
+          <a:solidFill>
+            <a:schemeClr val="lt1">
+              <a:hueOff val="0"/>
+              <a:satOff val="0"/>
+              <a:lumOff val="0"/>
+              <a:alphaOff val="0"/>
+            </a:schemeClr>
+          </a:solidFill>
+          <a:prstDash val="solid"/>
+        </a:ln>
+        <a:effectLst/>
+      </dsp:spPr>
+      <dsp:style>
+        <a:lnRef idx="2">
+          <a:scrgbClr r="0" g="0" b="0"/>
+        </a:lnRef>
+        <a:fillRef idx="1">
+          <a:scrgbClr r="0" g="0" b="0"/>
+        </a:fillRef>
+        <a:effectRef idx="0">
+          <a:scrgbClr r="0" g="0" b="0"/>
+        </a:effectRef>
+        <a:fontRef idx="minor">
+          <a:schemeClr val="lt1"/>
+        </a:fontRef>
+      </dsp:style>
+      <dsp:txBody>
+        <a:bodyPr spcFirstLastPara="0" vert="horz" wrap="square" lIns="120904" tIns="120904" rIns="120904" bIns="120904" numCol="1" spcCol="1270" anchor="ctr" anchorCtr="0">
+          <a:noAutofit/>
+        </a:bodyPr>
+        <a:lstStyle/>
+        <a:p>
+          <a:pPr lvl="0" algn="ctr" defTabSz="755650">
+            <a:lnSpc>
+              <a:spcPct val="90000"/>
+            </a:lnSpc>
+            <a:spcBef>
+              <a:spcPct val="0"/>
+            </a:spcBef>
+            <a:spcAft>
+              <a:spcPct val="35000"/>
+            </a:spcAft>
+          </a:pPr>
+          <a:r>
+            <a:rPr lang="en-US" sz="1700" kern="1200" dirty="0" smtClean="0"/>
+            <a:t>Creation</a:t>
+          </a:r>
+          <a:endParaRPr lang="en-US" sz="1700" kern="1200" dirty="0"/>
+        </a:p>
+      </dsp:txBody>
+      <dsp:txXfrm>
+        <a:off x="1279" y="1625600"/>
+        <a:ext cx="1991320" cy="1625600"/>
+      </dsp:txXfrm>
+    </dsp:sp>
+    <dsp:sp modelId="{C9C442B0-CF87-4FBC-9FF1-1DDF80DDF231}">
+      <dsp:nvSpPr>
+        <dsp:cNvPr id="0" name=""/>
+        <dsp:cNvSpPr/>
+      </dsp:nvSpPr>
+      <dsp:spPr>
+        <a:xfrm>
+          <a:off x="76200" y="126995"/>
+          <a:ext cx="1816117" cy="1765801"/>
+        </a:xfrm>
+        <a:prstGeom prst="ellipse">
+          <a:avLst/>
+        </a:prstGeom>
+        <a:blipFill>
+          <a:blip xmlns:r="http://schemas.openxmlformats.org/officeDocument/2006/relationships" r:embed="rId1">
+            <a:extLst>
+              <a:ext uri="{28A0092B-C50C-407E-A947-70E740481C1C}">
+                <a14:useLocalDpi xmlns:a14="http://schemas.microsoft.com/office/drawing/2010/main" val="0"/>
+              </a:ext>
+            </a:extLst>
+          </a:blip>
+          <a:srcRect/>
+          <a:stretch>
+            <a:fillRect l="-9000" r="-9000"/>
+          </a:stretch>
+        </a:blipFill>
+        <a:ln w="15875" cap="flat" cmpd="sng" algn="ctr">
+          <a:solidFill>
+            <a:schemeClr val="lt1">
+              <a:hueOff val="0"/>
+              <a:satOff val="0"/>
+              <a:lumOff val="0"/>
+              <a:alphaOff val="0"/>
+            </a:schemeClr>
+          </a:solidFill>
+          <a:prstDash val="solid"/>
+        </a:ln>
+        <a:effectLst/>
+      </dsp:spPr>
+      <dsp:style>
+        <a:lnRef idx="2">
+          <a:scrgbClr r="0" g="0" b="0"/>
+        </a:lnRef>
+        <a:fillRef idx="1">
+          <a:scrgbClr r="0" g="0" b="0"/>
+        </a:fillRef>
+        <a:effectRef idx="0">
+          <a:scrgbClr r="0" g="0" b="0"/>
+        </a:effectRef>
+        <a:fontRef idx="minor"/>
+      </dsp:style>
+    </dsp:sp>
+    <dsp:sp modelId="{BF393B80-C46F-4B9F-854F-9EDC03DDDB1F}">
+      <dsp:nvSpPr>
+        <dsp:cNvPr id="0" name=""/>
+        <dsp:cNvSpPr/>
+      </dsp:nvSpPr>
+      <dsp:spPr>
+        <a:xfrm>
+          <a:off x="2052339" y="0"/>
+          <a:ext cx="1991320" cy="4064000"/>
+        </a:xfrm>
+        <a:prstGeom prst="roundRect">
+          <a:avLst>
+            <a:gd name="adj" fmla="val 10000"/>
+          </a:avLst>
+        </a:prstGeom>
+        <a:solidFill>
+          <a:schemeClr val="accent1">
+            <a:lumMod val="50000"/>
+          </a:schemeClr>
+        </a:solidFill>
+        <a:ln w="15875" cap="flat" cmpd="sng" algn="ctr">
+          <a:solidFill>
+            <a:schemeClr val="lt1">
+              <a:hueOff val="0"/>
+              <a:satOff val="0"/>
+              <a:lumOff val="0"/>
+              <a:alphaOff val="0"/>
+            </a:schemeClr>
+          </a:solidFill>
+          <a:prstDash val="solid"/>
+        </a:ln>
+        <a:effectLst/>
+      </dsp:spPr>
+      <dsp:style>
+        <a:lnRef idx="2">
+          <a:scrgbClr r="0" g="0" b="0"/>
+        </a:lnRef>
+        <a:fillRef idx="1">
+          <a:scrgbClr r="0" g="0" b="0"/>
+        </a:fillRef>
+        <a:effectRef idx="0">
+          <a:scrgbClr r="0" g="0" b="0"/>
+        </a:effectRef>
+        <a:fontRef idx="minor">
+          <a:schemeClr val="lt1"/>
+        </a:fontRef>
+      </dsp:style>
+      <dsp:txBody>
+        <a:bodyPr spcFirstLastPara="0" vert="horz" wrap="square" lIns="120904" tIns="120904" rIns="120904" bIns="120904" numCol="1" spcCol="1270" anchor="ctr" anchorCtr="0">
+          <a:noAutofit/>
+        </a:bodyPr>
+        <a:lstStyle/>
+        <a:p>
+          <a:pPr lvl="0" algn="ctr" defTabSz="755650">
+            <a:lnSpc>
+              <a:spcPct val="90000"/>
+            </a:lnSpc>
+            <a:spcBef>
+              <a:spcPct val="0"/>
+            </a:spcBef>
+            <a:spcAft>
+              <a:spcPct val="35000"/>
+            </a:spcAft>
+          </a:pPr>
+          <a:r>
+            <a:rPr lang="en-US" sz="1700" kern="1200" dirty="0" smtClean="0"/>
+            <a:t>Communication</a:t>
+          </a:r>
+          <a:endParaRPr lang="en-US" sz="1700" kern="1200" dirty="0"/>
+        </a:p>
+      </dsp:txBody>
+      <dsp:txXfrm>
+        <a:off x="2052339" y="1625600"/>
+        <a:ext cx="1991320" cy="1625600"/>
+      </dsp:txXfrm>
+    </dsp:sp>
+    <dsp:sp modelId="{E7709B54-6956-4FF2-9A9F-78CE64EAFCB4}">
+      <dsp:nvSpPr>
+        <dsp:cNvPr id="0" name=""/>
+        <dsp:cNvSpPr/>
+      </dsp:nvSpPr>
+      <dsp:spPr>
+        <a:xfrm>
+          <a:off x="2133600" y="126995"/>
+          <a:ext cx="1828798" cy="1765801"/>
+        </a:xfrm>
+        <a:prstGeom prst="ellipse">
+          <a:avLst/>
+        </a:prstGeom>
+        <a:blipFill>
+          <a:blip xmlns:r="http://schemas.openxmlformats.org/officeDocument/2006/relationships" r:embed="rId2">
+            <a:extLst>
+              <a:ext uri="{28A0092B-C50C-407E-A947-70E740481C1C}">
+                <a14:useLocalDpi xmlns:a14="http://schemas.microsoft.com/office/drawing/2010/main" val="0"/>
+              </a:ext>
+            </a:extLst>
+          </a:blip>
+          <a:srcRect/>
+          <a:stretch>
+            <a:fillRect l="-13000" r="-13000"/>
+          </a:stretch>
+        </a:blipFill>
+        <a:ln w="15875" cap="flat" cmpd="sng" algn="ctr">
+          <a:solidFill>
+            <a:schemeClr val="lt1">
+              <a:hueOff val="0"/>
+              <a:satOff val="0"/>
+              <a:lumOff val="0"/>
+              <a:alphaOff val="0"/>
+            </a:schemeClr>
+          </a:solidFill>
+          <a:prstDash val="solid"/>
+        </a:ln>
+        <a:effectLst/>
+      </dsp:spPr>
+      <dsp:style>
+        <a:lnRef idx="2">
+          <a:scrgbClr r="0" g="0" b="0"/>
+        </a:lnRef>
+        <a:fillRef idx="1">
+          <a:scrgbClr r="0" g="0" b="0"/>
+        </a:fillRef>
+        <a:effectRef idx="0">
+          <a:scrgbClr r="0" g="0" b="0"/>
+        </a:effectRef>
+        <a:fontRef idx="minor"/>
+      </dsp:style>
+    </dsp:sp>
+    <dsp:sp modelId="{360B41D4-55E0-4283-8C65-6A00D372C228}">
+      <dsp:nvSpPr>
+        <dsp:cNvPr id="0" name=""/>
+        <dsp:cNvSpPr/>
+      </dsp:nvSpPr>
+      <dsp:spPr>
+        <a:xfrm>
+          <a:off x="4103399" y="0"/>
+          <a:ext cx="1991320" cy="4064000"/>
+        </a:xfrm>
+        <a:prstGeom prst="roundRect">
+          <a:avLst>
+            <a:gd name="adj" fmla="val 10000"/>
+          </a:avLst>
+        </a:prstGeom>
+        <a:solidFill>
+          <a:schemeClr val="accent1">
+            <a:lumMod val="50000"/>
+          </a:schemeClr>
+        </a:solidFill>
+        <a:ln w="15875" cap="flat" cmpd="sng" algn="ctr">
+          <a:solidFill>
+            <a:schemeClr val="lt1">
+              <a:hueOff val="0"/>
+              <a:satOff val="0"/>
+              <a:lumOff val="0"/>
+              <a:alphaOff val="0"/>
+            </a:schemeClr>
+          </a:solidFill>
+          <a:prstDash val="solid"/>
+        </a:ln>
+        <a:effectLst/>
+      </dsp:spPr>
+      <dsp:style>
+        <a:lnRef idx="2">
+          <a:scrgbClr r="0" g="0" b="0"/>
+        </a:lnRef>
+        <a:fillRef idx="1">
+          <a:scrgbClr r="0" g="0" b="0"/>
+        </a:fillRef>
+        <a:effectRef idx="0">
+          <a:scrgbClr r="0" g="0" b="0"/>
+        </a:effectRef>
+        <a:fontRef idx="minor">
+          <a:schemeClr val="lt1"/>
+        </a:fontRef>
+      </dsp:style>
+      <dsp:txBody>
+        <a:bodyPr spcFirstLastPara="0" vert="horz" wrap="square" lIns="120904" tIns="120904" rIns="120904" bIns="120904" numCol="1" spcCol="1270" anchor="ctr" anchorCtr="0">
+          <a:noAutofit/>
+        </a:bodyPr>
+        <a:lstStyle/>
+        <a:p>
+          <a:pPr lvl="0" algn="ctr" defTabSz="755650">
+            <a:lnSpc>
+              <a:spcPct val="90000"/>
+            </a:lnSpc>
+            <a:spcBef>
+              <a:spcPct val="0"/>
+            </a:spcBef>
+            <a:spcAft>
+              <a:spcPct val="35000"/>
+            </a:spcAft>
+          </a:pPr>
+          <a:r>
+            <a:rPr lang="en-US" sz="1700" kern="1200" dirty="0" smtClean="0"/>
+            <a:t>Stylization</a:t>
+          </a:r>
+          <a:endParaRPr lang="en-US" sz="1700" kern="1200" dirty="0"/>
+        </a:p>
+      </dsp:txBody>
+      <dsp:txXfrm>
+        <a:off x="4103399" y="1625600"/>
+        <a:ext cx="1991320" cy="1625600"/>
+      </dsp:txXfrm>
+    </dsp:sp>
+    <dsp:sp modelId="{34C88B4B-77CA-40CB-9389-48AEC2689748}">
+      <dsp:nvSpPr>
+        <dsp:cNvPr id="0" name=""/>
+        <dsp:cNvSpPr/>
+      </dsp:nvSpPr>
+      <dsp:spPr>
+        <a:xfrm>
+          <a:off x="4267199" y="126995"/>
+          <a:ext cx="1689082" cy="1765801"/>
+        </a:xfrm>
+        <a:prstGeom prst="ellipse">
+          <a:avLst/>
+        </a:prstGeom>
+        <a:blipFill>
+          <a:blip xmlns:r="http://schemas.openxmlformats.org/officeDocument/2006/relationships" r:embed="rId3" cstate="print">
+            <a:extLst>
+              <a:ext uri="{28A0092B-C50C-407E-A947-70E740481C1C}">
+                <a14:useLocalDpi xmlns:a14="http://schemas.microsoft.com/office/drawing/2010/main" val="0"/>
+              </a:ext>
+            </a:extLst>
+          </a:blip>
+          <a:srcRect/>
+          <a:stretch>
+            <a:fillRect t="-1000" b="-1000"/>
+          </a:stretch>
+        </a:blipFill>
+        <a:ln w="15875" cap="flat" cmpd="sng" algn="ctr">
+          <a:solidFill>
+            <a:schemeClr val="lt1">
+              <a:hueOff val="0"/>
+              <a:satOff val="0"/>
+              <a:lumOff val="0"/>
+              <a:alphaOff val="0"/>
+            </a:schemeClr>
+          </a:solidFill>
+          <a:prstDash val="solid"/>
+        </a:ln>
+        <a:effectLst/>
+      </dsp:spPr>
+      <dsp:style>
+        <a:lnRef idx="2">
+          <a:scrgbClr r="0" g="0" b="0"/>
+        </a:lnRef>
+        <a:fillRef idx="1">
+          <a:scrgbClr r="0" g="0" b="0"/>
+        </a:fillRef>
+        <a:effectRef idx="0">
+          <a:scrgbClr r="0" g="0" b="0"/>
+        </a:effectRef>
+        <a:fontRef idx="minor"/>
+      </dsp:style>
+    </dsp:sp>
+    <dsp:sp modelId="{6AE1F591-1889-4CAB-BA52-DD749FBED5B2}">
+      <dsp:nvSpPr>
+        <dsp:cNvPr id="0" name=""/>
+        <dsp:cNvSpPr/>
+      </dsp:nvSpPr>
+      <dsp:spPr>
+        <a:xfrm>
+          <a:off x="243839" y="3251200"/>
+          <a:ext cx="5608320" cy="609600"/>
+        </a:xfrm>
+        <a:prstGeom prst="leftRightArrow">
+          <a:avLst/>
+        </a:prstGeom>
+        <a:solidFill>
+          <a:schemeClr val="accent1">
+            <a:tint val="60000"/>
+            <a:hueOff val="0"/>
+            <a:satOff val="0"/>
+            <a:lumOff val="0"/>
+            <a:alphaOff val="0"/>
+          </a:schemeClr>
+        </a:solidFill>
+        <a:ln w="15875" cap="flat" cmpd="sng" algn="ctr">
+          <a:solidFill>
+            <a:schemeClr val="lt1">
+              <a:hueOff val="0"/>
+              <a:satOff val="0"/>
+              <a:lumOff val="0"/>
+              <a:alphaOff val="0"/>
+            </a:schemeClr>
+          </a:solidFill>
+          <a:prstDash val="solid"/>
+        </a:ln>
+        <a:effectLst/>
+      </dsp:spPr>
+      <dsp:style>
+        <a:lnRef idx="2">
+          <a:scrgbClr r="0" g="0" b="0"/>
+        </a:lnRef>
+        <a:fillRef idx="1">
+          <a:scrgbClr r="0" g="0" b="0"/>
+        </a:fillRef>
+        <a:effectRef idx="0">
+          <a:scrgbClr r="0" g="0" b="0"/>
+        </a:effectRef>
+        <a:fontRef idx="minor"/>
+      </dsp:style>
+    </dsp:sp>
+  </dsp:spTree>
+</dsp:drawing>
+</file>
+
 <file path=ppt/diagrams/drawing6.xml><?xml version="1.0" encoding="utf-8"?>
 <dsp:drawing xmlns:dgm="http://schemas.openxmlformats.org/drawingml/2006/diagram" xmlns:dsp="http://schemas.microsoft.com/office/drawing/2008/diagram" xmlns:a="http://schemas.openxmlformats.org/drawingml/2006/main">
   <dsp:spTree>
@@ -8997,7 +9079,27 @@
                 </a:schemeClr>
               </a:solidFill>
             </a:rPr>
-            <a:t> I can add more products to the basket than are actually in stock (details page).</a:t>
+            <a:t> I can add more products to the basket </a:t>
+          </a:r>
+          <a:r>
+            <a:rPr lang="en-US" sz="1500" kern="1200" dirty="0" smtClean="0">
+              <a:solidFill>
+                <a:schemeClr val="accent1">
+                  <a:lumMod val="50000"/>
+                </a:schemeClr>
+              </a:solidFill>
+            </a:rPr>
+            <a:t>that </a:t>
+          </a:r>
+          <a:r>
+            <a:rPr lang="en-US" sz="1500" kern="1200" dirty="0" smtClean="0">
+              <a:solidFill>
+                <a:schemeClr val="accent1">
+                  <a:lumMod val="50000"/>
+                </a:schemeClr>
+              </a:solidFill>
+            </a:rPr>
+            <a:t>are actually in stock (details page).</a:t>
           </a:r>
           <a:endParaRPr lang="en-US" sz="1500" kern="1200" dirty="0">
             <a:solidFill>
@@ -9048,7 +9150,17 @@
                 </a:schemeClr>
               </a:solidFill>
             </a:rPr>
-            <a:t>” button, a new product will be added even if one or no fields have been filled (admin page).</a:t>
+            <a:t>” button, a new product will be added even </a:t>
+          </a:r>
+          <a:r>
+            <a:rPr lang="en-US" sz="1500" kern="1200" dirty="0" smtClean="0">
+              <a:solidFill>
+                <a:schemeClr val="accent1">
+                  <a:lumMod val="50000"/>
+                </a:schemeClr>
+              </a:solidFill>
+            </a:rPr>
+            <a:t>if no fields have been filled (admin page).</a:t>
           </a:r>
           <a:endParaRPr lang="en-US" sz="1500" kern="1200" dirty="0">
             <a:solidFill>
@@ -9279,7 +9391,27 @@
                 </a:schemeClr>
               </a:solidFill>
             </a:rPr>
-            <a:t> The products added to the basket to be deducted from the stock.</a:t>
+            <a:t> </a:t>
+          </a:r>
+          <a:r>
+            <a:rPr lang="en-US" sz="1500" kern="1200" dirty="0" smtClean="0">
+              <a:solidFill>
+                <a:schemeClr val="accent1">
+                  <a:lumMod val="50000"/>
+                </a:schemeClr>
+              </a:solidFill>
+            </a:rPr>
+            <a:t>Products </a:t>
+          </a:r>
+          <a:r>
+            <a:rPr lang="en-US" sz="1500" kern="1200" dirty="0" smtClean="0">
+              <a:solidFill>
+                <a:schemeClr val="accent1">
+                  <a:lumMod val="50000"/>
+                </a:schemeClr>
+              </a:solidFill>
+            </a:rPr>
+            <a:t>added to the basket to be deducted from the stock.</a:t>
           </a:r>
           <a:endParaRPr lang="en-US" sz="1500" kern="1200" dirty="0">
             <a:solidFill>
@@ -9803,201 +9935,6 @@
 </file>
 
 <file path=ppt/diagrams/layout3.xml><?xml version="1.0" encoding="utf-8"?>
-<dgm:layoutDef xmlns:dgm="http://schemas.openxmlformats.org/drawingml/2006/diagram" xmlns:a="http://schemas.openxmlformats.org/drawingml/2006/main" uniqueId="urn:microsoft.com/office/officeart/2005/8/layout/hList7">
-  <dgm:title val=""/>
-  <dgm:desc val=""/>
-  <dgm:catLst>
-    <dgm:cat type="list" pri="12000"/>
-    <dgm:cat type="process" pri="20000"/>
-    <dgm:cat type="relationship" pri="14000"/>
-    <dgm:cat type="convert" pri="8000"/>
-    <dgm:cat type="picture" pri="25000"/>
-    <dgm:cat type="pictureconvert" pri="25000"/>
-  </dgm:catLst>
-  <dgm:sampData useDef="1">
-    <dgm:dataModel>
-      <dgm:ptLst/>
-      <dgm:bg/>
-      <dgm:whole/>
-    </dgm:dataModel>
-  </dgm:sampData>
-  <dgm:styleData>
-    <dgm:dataModel>
-      <dgm:ptLst>
-        <dgm:pt modelId="0" type="doc"/>
-        <dgm:pt modelId="1"/>
-        <dgm:pt modelId="2"/>
-      </dgm:ptLst>
-      <dgm:cxnLst>
-        <dgm:cxn modelId="3" srcId="0" destId="1" srcOrd="0" destOrd="0"/>
-        <dgm:cxn modelId="4" srcId="0" destId="2" srcOrd="1" destOrd="0"/>
-      </dgm:cxnLst>
-      <dgm:bg/>
-      <dgm:whole/>
-    </dgm:dataModel>
-  </dgm:styleData>
-  <dgm:clrData>
-    <dgm:dataModel>
-      <dgm:ptLst>
-        <dgm:pt modelId="0" type="doc"/>
-        <dgm:pt modelId="1"/>
-        <dgm:pt modelId="2"/>
-        <dgm:pt modelId="3"/>
-        <dgm:pt modelId="4"/>
-      </dgm:ptLst>
-      <dgm:cxnLst>
-        <dgm:cxn modelId="5" srcId="0" destId="1" srcOrd="0" destOrd="0"/>
-        <dgm:cxn modelId="6" srcId="0" destId="2" srcOrd="1" destOrd="0"/>
-        <dgm:cxn modelId="7" srcId="0" destId="3" srcOrd="2" destOrd="0"/>
-        <dgm:cxn modelId="8" srcId="0" destId="4" srcOrd="3" destOrd="0"/>
-      </dgm:cxnLst>
-      <dgm:bg/>
-      <dgm:whole/>
-    </dgm:dataModel>
-  </dgm:clrData>
-  <dgm:layoutNode name="Name0">
-    <dgm:varLst>
-      <dgm:dir/>
-      <dgm:resizeHandles val="exact"/>
-    </dgm:varLst>
-    <dgm:alg type="composite"/>
-    <dgm:shape xmlns:r="http://schemas.openxmlformats.org/officeDocument/2006/relationships" r:blip="">
-      <dgm:adjLst/>
-    </dgm:shape>
-    <dgm:presOf/>
-    <dgm:constrLst>
-      <dgm:constr type="w" for="ch" forName="fgShape" refType="w" fact="0.92"/>
-      <dgm:constr type="h" for="ch" forName="fgShape" refType="h" fact="0.15"/>
-      <dgm:constr type="b" for="ch" forName="fgShape" refType="h" fact="0.95"/>
-      <dgm:constr type="ctrX" for="ch" forName="fgShape" refType="w" fact="0.5"/>
-      <dgm:constr type="w" for="ch" forName="linComp" refType="w"/>
-      <dgm:constr type="h" for="ch" forName="linComp" refType="h"/>
-      <dgm:constr type="ctrX" for="ch" forName="linComp" refType="w" fact="0.5"/>
-    </dgm:constrLst>
-    <dgm:ruleLst/>
-    <dgm:layoutNode name="fgShape" styleLbl="fgShp">
-      <dgm:alg type="sp"/>
-      <dgm:shape xmlns:r="http://schemas.openxmlformats.org/officeDocument/2006/relationships" type="leftRightArrow" r:blip="" zOrderOff="99999">
-        <dgm:adjLst/>
-      </dgm:shape>
-      <dgm:presOf/>
-      <dgm:constrLst/>
-      <dgm:ruleLst/>
-    </dgm:layoutNode>
-    <dgm:layoutNode name="linComp">
-      <dgm:choose name="Name1">
-        <dgm:if name="Name2" func="var" arg="dir" op="equ" val="norm">
-          <dgm:alg type="lin"/>
-        </dgm:if>
-        <dgm:else name="Name3">
-          <dgm:alg type="lin">
-            <dgm:param type="linDir" val="fromR"/>
-          </dgm:alg>
-        </dgm:else>
-      </dgm:choose>
-      <dgm:shape xmlns:r="http://schemas.openxmlformats.org/officeDocument/2006/relationships" r:blip="">
-        <dgm:adjLst/>
-      </dgm:shape>
-      <dgm:presOf/>
-      <dgm:constrLst>
-        <dgm:constr type="w" for="ch" forName="compNode" refType="w"/>
-        <dgm:constr type="h" for="ch" forName="compNode" refType="h"/>
-        <dgm:constr type="w" for="ch" ptType="sibTrans" refType="w" refFor="ch" refForName="compNode" fact="0.03"/>
-        <dgm:constr type="primFontSz" for="des" ptType="node" op="equ" val="65"/>
-      </dgm:constrLst>
-      <dgm:ruleLst/>
-      <dgm:forEach name="nodesForEach" axis="ch" ptType="node">
-        <dgm:layoutNode name="compNode">
-          <dgm:alg type="composite"/>
-          <dgm:shape xmlns:r="http://schemas.openxmlformats.org/officeDocument/2006/relationships" r:blip="">
-            <dgm:adjLst/>
-          </dgm:shape>
-          <dgm:presOf/>
-          <dgm:constrLst>
-            <dgm:constr type="w" for="ch" forName="bkgdShape" refType="w"/>
-            <dgm:constr type="h" for="ch" forName="bkgdShape" refType="h"/>
-            <dgm:constr type="w" for="ch" forName="nodeTx" refType="w"/>
-            <dgm:constr type="h" for="ch" forName="nodeTx" refType="h" fact="0.4"/>
-            <dgm:constr type="b" for="ch" forName="nodeTx" refType="h" fact="0.8"/>
-            <dgm:constr type="w" for="ch" forName="invisiNode" refType="w" fact="0.01"/>
-            <dgm:constr type="h" for="ch" forName="invisiNode" refType="h" fact="0.06"/>
-            <dgm:constr type="t" for="ch" forName="invisiNode"/>
-            <dgm:constr type="ctrX" for="ch" forName="invisiNode" refType="w" fact="0.5"/>
-            <dgm:constr type="h" for="ch" forName="imagNode" refType="h" fact="0.333"/>
-            <dgm:constr type="w" for="ch" forName="imagNode" refType="h" refFor="ch" refForName="imagNode"/>
-            <dgm:constr type="ctrX" for="ch" forName="imagNode" refType="w" fact="0.5"/>
-            <dgm:constr type="t" for="ch" forName="imagNode" refType="h" fact="0.06"/>
-            <dgm:constr type="w" for="ch" forName="imagNode" refType="w" op="lte" fact="0.94"/>
-          </dgm:constrLst>
-          <dgm:ruleLst/>
-          <dgm:layoutNode name="bkgdShape">
-            <dgm:alg type="sp"/>
-            <dgm:shape xmlns:r="http://schemas.openxmlformats.org/officeDocument/2006/relationships" type="roundRect" r:blip="">
-              <dgm:adjLst>
-                <dgm:adj idx="1" val="0.1"/>
-              </dgm:adjLst>
-            </dgm:shape>
-            <dgm:presOf axis="desOrSelf" ptType="node"/>
-            <dgm:constrLst/>
-            <dgm:ruleLst/>
-          </dgm:layoutNode>
-          <dgm:layoutNode name="nodeTx">
-            <dgm:varLst>
-              <dgm:bulletEnabled val="1"/>
-            </dgm:varLst>
-            <dgm:alg type="tx">
-              <dgm:param type="txAnchorVert" val="mid"/>
-              <dgm:param type="txAnchorHorzCh" val="ctr"/>
-              <dgm:param type="stBulletLvl" val="2"/>
-            </dgm:alg>
-            <dgm:shape xmlns:r="http://schemas.openxmlformats.org/officeDocument/2006/relationships" type="rect" r:blip="" hideGeom="1">
-              <dgm:adjLst/>
-            </dgm:shape>
-            <dgm:presOf axis="desOrSelf" ptType="node"/>
-            <dgm:constrLst/>
-            <dgm:ruleLst>
-              <dgm:rule type="primFontSz" val="5" fact="NaN" max="NaN"/>
-            </dgm:ruleLst>
-          </dgm:layoutNode>
-          <dgm:layoutNode name="invisiNode">
-            <dgm:alg type="sp"/>
-            <dgm:shape xmlns:r="http://schemas.openxmlformats.org/officeDocument/2006/relationships" type="roundRect" r:blip="" hideGeom="1">
-              <dgm:adjLst>
-                <dgm:adj idx="1" val="0.1"/>
-              </dgm:adjLst>
-            </dgm:shape>
-            <dgm:presOf/>
-            <dgm:constrLst/>
-            <dgm:ruleLst/>
-          </dgm:layoutNode>
-          <dgm:layoutNode name="imagNode" styleLbl="fgImgPlace1">
-            <dgm:alg type="sp"/>
-            <dgm:shape xmlns:r="http://schemas.openxmlformats.org/officeDocument/2006/relationships" type="ellipse" r:blip="" blipPhldr="1">
-              <dgm:adjLst/>
-            </dgm:shape>
-            <dgm:presOf/>
-            <dgm:constrLst/>
-            <dgm:ruleLst/>
-          </dgm:layoutNode>
-        </dgm:layoutNode>
-        <dgm:forEach name="sibTransForEach" axis="followSib" ptType="sibTrans" cnt="1">
-          <dgm:layoutNode name="sibTrans">
-            <dgm:alg type="sp"/>
-            <dgm:shape xmlns:r="http://schemas.openxmlformats.org/officeDocument/2006/relationships" type="rect" r:blip="" hideGeom="1">
-              <dgm:adjLst/>
-            </dgm:shape>
-            <dgm:presOf axis="self"/>
-            <dgm:constrLst/>
-            <dgm:ruleLst/>
-          </dgm:layoutNode>
-        </dgm:forEach>
-      </dgm:forEach>
-    </dgm:layoutNode>
-  </dgm:layoutNode>
-</dgm:layoutDef>
-</file>
-
-<file path=ppt/diagrams/layout4.xml><?xml version="1.0" encoding="utf-8"?>
 <dgm:layoutDef xmlns:dgm="http://schemas.openxmlformats.org/drawingml/2006/diagram" xmlns:a="http://schemas.openxmlformats.org/drawingml/2006/main" uniqueId="urn:microsoft.com/office/officeart/2008/layout/AlternatingHexagons">
   <dgm:title val=""/>
   <dgm:desc val=""/>
@@ -10352,7 +10289,7 @@
 </dgm:layoutDef>
 </file>
 
-<file path=ppt/diagrams/layout5.xml><?xml version="1.0" encoding="utf-8"?>
+<file path=ppt/diagrams/layout4.xml><?xml version="1.0" encoding="utf-8"?>
 <dgm:layoutDef xmlns:dgm="http://schemas.openxmlformats.org/drawingml/2006/diagram" xmlns:a="http://schemas.openxmlformats.org/drawingml/2006/main" uniqueId="urn:microsoft.com/office/officeart/2009/3/layout/SnapshotPictureList">
   <dgm:title val=""/>
   <dgm:desc val=""/>
@@ -10592,6 +10529,201 @@
         </dgm:layoutNode>
       </dgm:forEach>
     </dgm:forEach>
+  </dgm:layoutNode>
+</dgm:layoutDef>
+</file>
+
+<file path=ppt/diagrams/layout5.xml><?xml version="1.0" encoding="utf-8"?>
+<dgm:layoutDef xmlns:dgm="http://schemas.openxmlformats.org/drawingml/2006/diagram" xmlns:a="http://schemas.openxmlformats.org/drawingml/2006/main" uniqueId="urn:microsoft.com/office/officeart/2005/8/layout/hList7">
+  <dgm:title val=""/>
+  <dgm:desc val=""/>
+  <dgm:catLst>
+    <dgm:cat type="list" pri="12000"/>
+    <dgm:cat type="process" pri="20000"/>
+    <dgm:cat type="relationship" pri="14000"/>
+    <dgm:cat type="convert" pri="8000"/>
+    <dgm:cat type="picture" pri="25000"/>
+    <dgm:cat type="pictureconvert" pri="25000"/>
+  </dgm:catLst>
+  <dgm:sampData useDef="1">
+    <dgm:dataModel>
+      <dgm:ptLst/>
+      <dgm:bg/>
+      <dgm:whole/>
+    </dgm:dataModel>
+  </dgm:sampData>
+  <dgm:styleData>
+    <dgm:dataModel>
+      <dgm:ptLst>
+        <dgm:pt modelId="0" type="doc"/>
+        <dgm:pt modelId="1"/>
+        <dgm:pt modelId="2"/>
+      </dgm:ptLst>
+      <dgm:cxnLst>
+        <dgm:cxn modelId="3" srcId="0" destId="1" srcOrd="0" destOrd="0"/>
+        <dgm:cxn modelId="4" srcId="0" destId="2" srcOrd="1" destOrd="0"/>
+      </dgm:cxnLst>
+      <dgm:bg/>
+      <dgm:whole/>
+    </dgm:dataModel>
+  </dgm:styleData>
+  <dgm:clrData>
+    <dgm:dataModel>
+      <dgm:ptLst>
+        <dgm:pt modelId="0" type="doc"/>
+        <dgm:pt modelId="1"/>
+        <dgm:pt modelId="2"/>
+        <dgm:pt modelId="3"/>
+        <dgm:pt modelId="4"/>
+      </dgm:ptLst>
+      <dgm:cxnLst>
+        <dgm:cxn modelId="5" srcId="0" destId="1" srcOrd="0" destOrd="0"/>
+        <dgm:cxn modelId="6" srcId="0" destId="2" srcOrd="1" destOrd="0"/>
+        <dgm:cxn modelId="7" srcId="0" destId="3" srcOrd="2" destOrd="0"/>
+        <dgm:cxn modelId="8" srcId="0" destId="4" srcOrd="3" destOrd="0"/>
+      </dgm:cxnLst>
+      <dgm:bg/>
+      <dgm:whole/>
+    </dgm:dataModel>
+  </dgm:clrData>
+  <dgm:layoutNode name="Name0">
+    <dgm:varLst>
+      <dgm:dir/>
+      <dgm:resizeHandles val="exact"/>
+    </dgm:varLst>
+    <dgm:alg type="composite"/>
+    <dgm:shape xmlns:r="http://schemas.openxmlformats.org/officeDocument/2006/relationships" r:blip="">
+      <dgm:adjLst/>
+    </dgm:shape>
+    <dgm:presOf/>
+    <dgm:constrLst>
+      <dgm:constr type="w" for="ch" forName="fgShape" refType="w" fact="0.92"/>
+      <dgm:constr type="h" for="ch" forName="fgShape" refType="h" fact="0.15"/>
+      <dgm:constr type="b" for="ch" forName="fgShape" refType="h" fact="0.95"/>
+      <dgm:constr type="ctrX" for="ch" forName="fgShape" refType="w" fact="0.5"/>
+      <dgm:constr type="w" for="ch" forName="linComp" refType="w"/>
+      <dgm:constr type="h" for="ch" forName="linComp" refType="h"/>
+      <dgm:constr type="ctrX" for="ch" forName="linComp" refType="w" fact="0.5"/>
+    </dgm:constrLst>
+    <dgm:ruleLst/>
+    <dgm:layoutNode name="fgShape" styleLbl="fgShp">
+      <dgm:alg type="sp"/>
+      <dgm:shape xmlns:r="http://schemas.openxmlformats.org/officeDocument/2006/relationships" type="leftRightArrow" r:blip="" zOrderOff="99999">
+        <dgm:adjLst/>
+      </dgm:shape>
+      <dgm:presOf/>
+      <dgm:constrLst/>
+      <dgm:ruleLst/>
+    </dgm:layoutNode>
+    <dgm:layoutNode name="linComp">
+      <dgm:choose name="Name1">
+        <dgm:if name="Name2" func="var" arg="dir" op="equ" val="norm">
+          <dgm:alg type="lin"/>
+        </dgm:if>
+        <dgm:else name="Name3">
+          <dgm:alg type="lin">
+            <dgm:param type="linDir" val="fromR"/>
+          </dgm:alg>
+        </dgm:else>
+      </dgm:choose>
+      <dgm:shape xmlns:r="http://schemas.openxmlformats.org/officeDocument/2006/relationships" r:blip="">
+        <dgm:adjLst/>
+      </dgm:shape>
+      <dgm:presOf/>
+      <dgm:constrLst>
+        <dgm:constr type="w" for="ch" forName="compNode" refType="w"/>
+        <dgm:constr type="h" for="ch" forName="compNode" refType="h"/>
+        <dgm:constr type="w" for="ch" ptType="sibTrans" refType="w" refFor="ch" refForName="compNode" fact="0.03"/>
+        <dgm:constr type="primFontSz" for="des" ptType="node" op="equ" val="65"/>
+      </dgm:constrLst>
+      <dgm:ruleLst/>
+      <dgm:forEach name="nodesForEach" axis="ch" ptType="node">
+        <dgm:layoutNode name="compNode">
+          <dgm:alg type="composite"/>
+          <dgm:shape xmlns:r="http://schemas.openxmlformats.org/officeDocument/2006/relationships" r:blip="">
+            <dgm:adjLst/>
+          </dgm:shape>
+          <dgm:presOf/>
+          <dgm:constrLst>
+            <dgm:constr type="w" for="ch" forName="bkgdShape" refType="w"/>
+            <dgm:constr type="h" for="ch" forName="bkgdShape" refType="h"/>
+            <dgm:constr type="w" for="ch" forName="nodeTx" refType="w"/>
+            <dgm:constr type="h" for="ch" forName="nodeTx" refType="h" fact="0.4"/>
+            <dgm:constr type="b" for="ch" forName="nodeTx" refType="h" fact="0.8"/>
+            <dgm:constr type="w" for="ch" forName="invisiNode" refType="w" fact="0.01"/>
+            <dgm:constr type="h" for="ch" forName="invisiNode" refType="h" fact="0.06"/>
+            <dgm:constr type="t" for="ch" forName="invisiNode"/>
+            <dgm:constr type="ctrX" for="ch" forName="invisiNode" refType="w" fact="0.5"/>
+            <dgm:constr type="h" for="ch" forName="imagNode" refType="h" fact="0.333"/>
+            <dgm:constr type="w" for="ch" forName="imagNode" refType="h" refFor="ch" refForName="imagNode"/>
+            <dgm:constr type="ctrX" for="ch" forName="imagNode" refType="w" fact="0.5"/>
+            <dgm:constr type="t" for="ch" forName="imagNode" refType="h" fact="0.06"/>
+            <dgm:constr type="w" for="ch" forName="imagNode" refType="w" op="lte" fact="0.94"/>
+          </dgm:constrLst>
+          <dgm:ruleLst/>
+          <dgm:layoutNode name="bkgdShape">
+            <dgm:alg type="sp"/>
+            <dgm:shape xmlns:r="http://schemas.openxmlformats.org/officeDocument/2006/relationships" type="roundRect" r:blip="">
+              <dgm:adjLst>
+                <dgm:adj idx="1" val="0.1"/>
+              </dgm:adjLst>
+            </dgm:shape>
+            <dgm:presOf axis="desOrSelf" ptType="node"/>
+            <dgm:constrLst/>
+            <dgm:ruleLst/>
+          </dgm:layoutNode>
+          <dgm:layoutNode name="nodeTx">
+            <dgm:varLst>
+              <dgm:bulletEnabled val="1"/>
+            </dgm:varLst>
+            <dgm:alg type="tx">
+              <dgm:param type="txAnchorVert" val="mid"/>
+              <dgm:param type="txAnchorHorzCh" val="ctr"/>
+              <dgm:param type="stBulletLvl" val="2"/>
+            </dgm:alg>
+            <dgm:shape xmlns:r="http://schemas.openxmlformats.org/officeDocument/2006/relationships" type="rect" r:blip="" hideGeom="1">
+              <dgm:adjLst/>
+            </dgm:shape>
+            <dgm:presOf axis="desOrSelf" ptType="node"/>
+            <dgm:constrLst/>
+            <dgm:ruleLst>
+              <dgm:rule type="primFontSz" val="5" fact="NaN" max="NaN"/>
+            </dgm:ruleLst>
+          </dgm:layoutNode>
+          <dgm:layoutNode name="invisiNode">
+            <dgm:alg type="sp"/>
+            <dgm:shape xmlns:r="http://schemas.openxmlformats.org/officeDocument/2006/relationships" type="roundRect" r:blip="" hideGeom="1">
+              <dgm:adjLst>
+                <dgm:adj idx="1" val="0.1"/>
+              </dgm:adjLst>
+            </dgm:shape>
+            <dgm:presOf/>
+            <dgm:constrLst/>
+            <dgm:ruleLst/>
+          </dgm:layoutNode>
+          <dgm:layoutNode name="imagNode" styleLbl="fgImgPlace1">
+            <dgm:alg type="sp"/>
+            <dgm:shape xmlns:r="http://schemas.openxmlformats.org/officeDocument/2006/relationships" type="ellipse" r:blip="" blipPhldr="1">
+              <dgm:adjLst/>
+            </dgm:shape>
+            <dgm:presOf/>
+            <dgm:constrLst/>
+            <dgm:ruleLst/>
+          </dgm:layoutNode>
+        </dgm:layoutNode>
+        <dgm:forEach name="sibTransForEach" axis="followSib" ptType="sibTrans" cnt="1">
+          <dgm:layoutNode name="sibTrans">
+            <dgm:alg type="sp"/>
+            <dgm:shape xmlns:r="http://schemas.openxmlformats.org/officeDocument/2006/relationships" type="rect" r:blip="" hideGeom="1">
+              <dgm:adjLst/>
+            </dgm:shape>
+            <dgm:presOf axis="self"/>
+            <dgm:constrLst/>
+            <dgm:ruleLst/>
+          </dgm:layoutNode>
+        </dgm:forEach>
+      </dgm:forEach>
+    </dgm:layoutNode>
   </dgm:layoutNode>
 </dgm:layoutDef>
 </file>
@@ -31800,7 +31932,7 @@
             <p:ph idx="1"/>
             <p:extLst>
               <p:ext uri="{D42A27DB-BD31-4B8C-83A1-F6EECF244321}">
-                <p14:modId xmlns:p14="http://schemas.microsoft.com/office/powerpoint/2010/main" val="4238427262"/>
+                <p14:modId xmlns:p14="http://schemas.microsoft.com/office/powerpoint/2010/main" val="2628076914"/>
               </p:ext>
             </p:extLst>
           </p:nvPr>
@@ -32166,7 +32298,7 @@
             <p:ph idx="1"/>
             <p:extLst>
               <p:ext uri="{D42A27DB-BD31-4B8C-83A1-F6EECF244321}">
-                <p14:modId xmlns:p14="http://schemas.microsoft.com/office/powerpoint/2010/main" val="2897343785"/>
+                <p14:modId xmlns:p14="http://schemas.microsoft.com/office/powerpoint/2010/main" val="19867261"/>
               </p:ext>
             </p:extLst>
           </p:nvPr>
@@ -32564,220 +32696,6 @@
 <file path=ppt/slides/slide4.xml><?xml version="1.0" encoding="utf-8"?>
 <p:sld xmlns:a="http://schemas.openxmlformats.org/drawingml/2006/main" xmlns:r="http://schemas.openxmlformats.org/officeDocument/2006/relationships" xmlns:p="http://schemas.openxmlformats.org/presentationml/2006/main">
   <p:cSld>
-    <p:bg>
-      <p:bgPr>
-        <a:gradFill rotWithShape="1">
-          <a:gsLst>
-            <a:gs pos="0">
-              <a:schemeClr val="accent1">
-                <a:lumMod val="50000"/>
-              </a:schemeClr>
-            </a:gs>
-            <a:gs pos="62000">
-              <a:schemeClr val="bg2">
-                <a:tint val="92000"/>
-                <a:shade val="66000"/>
-                <a:satMod val="110000"/>
-                <a:lumMod val="80000"/>
-              </a:schemeClr>
-            </a:gs>
-            <a:gs pos="100000">
-              <a:schemeClr val="bg2">
-                <a:tint val="89000"/>
-                <a:shade val="62000"/>
-                <a:satMod val="110000"/>
-                <a:lumMod val="72000"/>
-              </a:schemeClr>
-            </a:gs>
-          </a:gsLst>
-          <a:lin ang="5400000" scaled="0"/>
-        </a:gradFill>
-        <a:effectLst/>
-      </p:bgPr>
-    </p:bg>
-    <p:spTree>
-      <p:nvGrpSpPr>
-        <p:cNvPr id="1" name=""/>
-        <p:cNvGrpSpPr/>
-        <p:nvPr/>
-      </p:nvGrpSpPr>
-      <p:grpSpPr>
-        <a:xfrm>
-          <a:off x="0" y="0"/>
-          <a:ext cx="0" cy="0"/>
-          <a:chOff x="0" y="0"/>
-          <a:chExt cx="0" cy="0"/>
-        </a:xfrm>
-      </p:grpSpPr>
-      <p:sp>
-        <p:nvSpPr>
-          <p:cNvPr id="2" name="Title 1"/>
-          <p:cNvSpPr>
-            <a:spLocks noGrp="1"/>
-          </p:cNvSpPr>
-          <p:nvPr>
-            <p:ph type="title"/>
-          </p:nvPr>
-        </p:nvSpPr>
-        <p:spPr>
-          <a:xfrm>
-            <a:off x="1066800" y="685800"/>
-            <a:ext cx="5562600" cy="533400"/>
-          </a:xfrm>
-        </p:spPr>
-        <p:txBody>
-          <a:bodyPr>
-            <a:noAutofit/>
-          </a:bodyPr>
-          <a:lstStyle/>
-          <a:p>
-            <a:pPr lvl="0"/>
-            <a:r>
-              <a:rPr lang="en-US" sz="3400" dirty="0" smtClean="0">
-                <a:solidFill>
-                  <a:schemeClr val="accent1">
-                    <a:lumMod val="50000"/>
-                  </a:schemeClr>
-                </a:solidFill>
-                <a:latin typeface="Felix Titling" pitchFamily="82" charset="0"/>
-              </a:rPr>
-              <a:t>CONCEPTS </a:t>
-            </a:r>
-            <a:r>
-              <a:rPr lang="en-US" sz="3400" dirty="0">
-                <a:solidFill>
-                  <a:schemeClr val="accent1">
-                    <a:lumMod val="50000"/>
-                  </a:schemeClr>
-                </a:solidFill>
-                <a:latin typeface="Felix Titling" pitchFamily="82" charset="0"/>
-              </a:rPr>
-              <a:t>USED</a:t>
-            </a:r>
-          </a:p>
-        </p:txBody>
-      </p:sp>
-      <p:graphicFrame>
-        <p:nvGraphicFramePr>
-          <p:cNvPr id="7" name="Diagram 6"/>
-          <p:cNvGraphicFramePr/>
-          <p:nvPr>
-            <p:extLst>
-              <p:ext uri="{D42A27DB-BD31-4B8C-83A1-F6EECF244321}">
-                <p14:modId xmlns:p14="http://schemas.microsoft.com/office/powerpoint/2010/main" val="3738779604"/>
-              </p:ext>
-            </p:extLst>
-          </p:nvPr>
-        </p:nvGraphicFramePr>
-        <p:xfrm>
-          <a:off x="1524000" y="1676400"/>
-          <a:ext cx="6096000" cy="4064000"/>
-        </p:xfrm>
-        <a:graphic>
-          <a:graphicData uri="http://schemas.openxmlformats.org/drawingml/2006/diagram">
-            <dgm:relIds xmlns:dgm="http://schemas.openxmlformats.org/drawingml/2006/diagram" xmlns:r="http://schemas.openxmlformats.org/officeDocument/2006/relationships" r:dm="rId2" r:lo="rId3" r:qs="rId4" r:cs="rId5"/>
-          </a:graphicData>
-        </a:graphic>
-      </p:graphicFrame>
-      <p:pic>
-        <p:nvPicPr>
-          <p:cNvPr id="8" name="Picture 2"/>
-          <p:cNvPicPr>
-            <a:picLocks noChangeAspect="1" noChangeArrowheads="1"/>
-          </p:cNvPicPr>
-          <p:nvPr/>
-        </p:nvPicPr>
-        <p:blipFill>
-          <a:blip r:embed="rId7">
-            <a:extLst>
-              <a:ext uri="{28A0092B-C50C-407E-A947-70E740481C1C}">
-                <a14:useLocalDpi xmlns:a14="http://schemas.microsoft.com/office/drawing/2010/main" val="0"/>
-              </a:ext>
-            </a:extLst>
-          </a:blip>
-          <a:srcRect/>
-          <a:stretch>
-            <a:fillRect/>
-          </a:stretch>
-        </p:blipFill>
-        <p:spPr bwMode="auto">
-          <a:xfrm>
-            <a:off x="1066800" y="1307578"/>
-            <a:ext cx="6781800" cy="46239"/>
-          </a:xfrm>
-          <a:prstGeom prst="rect">
-            <a:avLst/>
-          </a:prstGeom>
-          <a:noFill/>
-          <a:ln>
-            <a:noFill/>
-          </a:ln>
-          <a:effectLst/>
-          <a:extLst>
-            <a:ext uri="{909E8E84-426E-40DD-AFC4-6F175D3DCCD1}">
-              <a14:hiddenFill xmlns:a14="http://schemas.microsoft.com/office/drawing/2010/main">
-                <a:solidFill>
-                  <a:schemeClr val="accent1"/>
-                </a:solidFill>
-              </a14:hiddenFill>
-            </a:ext>
-            <a:ext uri="{91240B29-F687-4F45-9708-019B960494DF}">
-              <a14:hiddenLine xmlns:a14="http://schemas.microsoft.com/office/drawing/2010/main" w="9525">
-                <a:solidFill>
-                  <a:schemeClr val="tx1"/>
-                </a:solidFill>
-                <a:miter lim="800000"/>
-                <a:headEnd/>
-                <a:tailEnd/>
-              </a14:hiddenLine>
-            </a:ext>
-            <a:ext uri="{AF507438-7753-43E0-B8FC-AC1667EBCBE1}">
-              <a14:hiddenEffects xmlns:a14="http://schemas.microsoft.com/office/drawing/2010/main">
-                <a:effectLst>
-                  <a:outerShdw dist="35921" dir="2700000" algn="ctr" rotWithShape="0">
-                    <a:schemeClr val="bg2"/>
-                  </a:outerShdw>
-                </a:effectLst>
-              </a14:hiddenEffects>
-            </a:ext>
-          </a:extLst>
-        </p:spPr>
-      </p:pic>
-    </p:spTree>
-    <p:extLst>
-      <p:ext uri="{BB962C8B-B14F-4D97-AF65-F5344CB8AC3E}">
-        <p14:creationId xmlns:p14="http://schemas.microsoft.com/office/powerpoint/2010/main" val="1538517169"/>
-      </p:ext>
-    </p:extLst>
-  </p:cSld>
-  <p:clrMapOvr>
-    <a:masterClrMapping/>
-  </p:clrMapOvr>
-  <mc:AlternateContent xmlns:mc="http://schemas.openxmlformats.org/markup-compatibility/2006" xmlns:p14="http://schemas.microsoft.com/office/powerpoint/2010/main">
-    <mc:Choice Requires="p14">
-      <p:transition spd="slow" p14:dur="1400">
-        <p14:ripple/>
-      </p:transition>
-    </mc:Choice>
-    <mc:Fallback xmlns="">
-      <p:transition spd="slow">
-        <p:fade/>
-      </p:transition>
-    </mc:Fallback>
-  </mc:AlternateContent>
-  <p:timing>
-    <p:tnLst>
-      <p:par>
-        <p:cTn id="1" dur="indefinite" restart="never" nodeType="tmRoot"/>
-      </p:par>
-    </p:tnLst>
-  </p:timing>
-</p:sld>
-</file>
-
-<file path=ppt/slides/slide5.xml><?xml version="1.0" encoding="utf-8"?>
-<p:sld xmlns:a="http://schemas.openxmlformats.org/drawingml/2006/main" xmlns:r="http://schemas.openxmlformats.org/officeDocument/2006/relationships" xmlns:p="http://schemas.openxmlformats.org/presentationml/2006/main">
-  <p:cSld>
     <p:spTree>
       <p:nvGrpSpPr>
         <p:cNvPr id="1" name=""/>
@@ -33156,7 +33074,7 @@
         <p:spPr>
           <a:xfrm>
             <a:off x="4899660" y="4168029"/>
-            <a:ext cx="1249680" cy="1246495"/>
+            <a:ext cx="1249680" cy="1046440"/>
           </a:xfrm>
           <a:prstGeom prst="rect">
             <a:avLst/>
@@ -33216,13 +33134,24 @@
                   <a:schemeClr val="bg1"/>
                 </a:solidFill>
               </a:rPr>
-              <a:t>(Costumers products to buy)</a:t>
+              <a:t>( </a:t>
             </a:r>
-            <a:endParaRPr lang="en-US" sz="1300" dirty="0">
-              <a:solidFill>
-                <a:schemeClr val="bg1"/>
-              </a:solidFill>
-            </a:endParaRPr>
+            <a:r>
+              <a:rPr lang="en-US" sz="1300" dirty="0" smtClean="0">
+                <a:solidFill>
+                  <a:schemeClr val="bg1"/>
+                </a:solidFill>
+              </a:rPr>
+              <a:t>P</a:t>
+            </a:r>
+            <a:r>
+              <a:rPr lang="en-US" sz="1300" dirty="0" smtClean="0">
+                <a:solidFill>
+                  <a:schemeClr val="bg1"/>
+                </a:solidFill>
+              </a:rPr>
+              <a:t>roducts to buy)</a:t>
+            </a:r>
           </a:p>
         </p:txBody>
       </p:sp>
@@ -33316,6 +33245,220 @@
     <p:extLst>
       <p:ext uri="{BB962C8B-B14F-4D97-AF65-F5344CB8AC3E}">
         <p14:creationId xmlns:p14="http://schemas.microsoft.com/office/powerpoint/2010/main" val="769777937"/>
+      </p:ext>
+    </p:extLst>
+  </p:cSld>
+  <p:clrMapOvr>
+    <a:masterClrMapping/>
+  </p:clrMapOvr>
+  <mc:AlternateContent xmlns:mc="http://schemas.openxmlformats.org/markup-compatibility/2006" xmlns:p14="http://schemas.microsoft.com/office/powerpoint/2010/main">
+    <mc:Choice Requires="p14">
+      <p:transition spd="slow" p14:dur="1400">
+        <p14:ripple/>
+      </p:transition>
+    </mc:Choice>
+    <mc:Fallback xmlns="">
+      <p:transition spd="slow">
+        <p:fade/>
+      </p:transition>
+    </mc:Fallback>
+  </mc:AlternateContent>
+  <p:timing>
+    <p:tnLst>
+      <p:par>
+        <p:cTn id="1" dur="indefinite" restart="never" nodeType="tmRoot"/>
+      </p:par>
+    </p:tnLst>
+  </p:timing>
+</p:sld>
+</file>
+
+<file path=ppt/slides/slide5.xml><?xml version="1.0" encoding="utf-8"?>
+<p:sld xmlns:a="http://schemas.openxmlformats.org/drawingml/2006/main" xmlns:r="http://schemas.openxmlformats.org/officeDocument/2006/relationships" xmlns:p="http://schemas.openxmlformats.org/presentationml/2006/main">
+  <p:cSld>
+    <p:bg>
+      <p:bgPr>
+        <a:gradFill rotWithShape="1">
+          <a:gsLst>
+            <a:gs pos="0">
+              <a:schemeClr val="accent1">
+                <a:lumMod val="50000"/>
+              </a:schemeClr>
+            </a:gs>
+            <a:gs pos="62000">
+              <a:schemeClr val="bg2">
+                <a:tint val="92000"/>
+                <a:shade val="66000"/>
+                <a:satMod val="110000"/>
+                <a:lumMod val="80000"/>
+              </a:schemeClr>
+            </a:gs>
+            <a:gs pos="100000">
+              <a:schemeClr val="bg2">
+                <a:tint val="89000"/>
+                <a:shade val="62000"/>
+                <a:satMod val="110000"/>
+                <a:lumMod val="72000"/>
+              </a:schemeClr>
+            </a:gs>
+          </a:gsLst>
+          <a:lin ang="5400000" scaled="0"/>
+        </a:gradFill>
+        <a:effectLst/>
+      </p:bgPr>
+    </p:bg>
+    <p:spTree>
+      <p:nvGrpSpPr>
+        <p:cNvPr id="1" name=""/>
+        <p:cNvGrpSpPr/>
+        <p:nvPr/>
+      </p:nvGrpSpPr>
+      <p:grpSpPr>
+        <a:xfrm>
+          <a:off x="0" y="0"/>
+          <a:ext cx="0" cy="0"/>
+          <a:chOff x="0" y="0"/>
+          <a:chExt cx="0" cy="0"/>
+        </a:xfrm>
+      </p:grpSpPr>
+      <p:sp>
+        <p:nvSpPr>
+          <p:cNvPr id="2" name="Title 1"/>
+          <p:cNvSpPr>
+            <a:spLocks noGrp="1"/>
+          </p:cNvSpPr>
+          <p:nvPr>
+            <p:ph type="title"/>
+          </p:nvPr>
+        </p:nvSpPr>
+        <p:spPr>
+          <a:xfrm>
+            <a:off x="1066800" y="685800"/>
+            <a:ext cx="5562600" cy="533400"/>
+          </a:xfrm>
+        </p:spPr>
+        <p:txBody>
+          <a:bodyPr>
+            <a:noAutofit/>
+          </a:bodyPr>
+          <a:lstStyle/>
+          <a:p>
+            <a:pPr lvl="0"/>
+            <a:r>
+              <a:rPr lang="en-US" sz="3400" dirty="0" smtClean="0">
+                <a:solidFill>
+                  <a:schemeClr val="accent1">
+                    <a:lumMod val="50000"/>
+                  </a:schemeClr>
+                </a:solidFill>
+                <a:latin typeface="Felix Titling" pitchFamily="82" charset="0"/>
+              </a:rPr>
+              <a:t>CONCEPTS </a:t>
+            </a:r>
+            <a:r>
+              <a:rPr lang="en-US" sz="3400" dirty="0">
+                <a:solidFill>
+                  <a:schemeClr val="accent1">
+                    <a:lumMod val="50000"/>
+                  </a:schemeClr>
+                </a:solidFill>
+                <a:latin typeface="Felix Titling" pitchFamily="82" charset="0"/>
+              </a:rPr>
+              <a:t>USED</a:t>
+            </a:r>
+          </a:p>
+        </p:txBody>
+      </p:sp>
+      <p:graphicFrame>
+        <p:nvGraphicFramePr>
+          <p:cNvPr id="7" name="Diagram 6"/>
+          <p:cNvGraphicFramePr/>
+          <p:nvPr>
+            <p:extLst>
+              <p:ext uri="{D42A27DB-BD31-4B8C-83A1-F6EECF244321}">
+                <p14:modId xmlns:p14="http://schemas.microsoft.com/office/powerpoint/2010/main" val="3738779604"/>
+              </p:ext>
+            </p:extLst>
+          </p:nvPr>
+        </p:nvGraphicFramePr>
+        <p:xfrm>
+          <a:off x="1524000" y="1676400"/>
+          <a:ext cx="6096000" cy="4064000"/>
+        </p:xfrm>
+        <a:graphic>
+          <a:graphicData uri="http://schemas.openxmlformats.org/drawingml/2006/diagram">
+            <dgm:relIds xmlns:dgm="http://schemas.openxmlformats.org/drawingml/2006/diagram" xmlns:r="http://schemas.openxmlformats.org/officeDocument/2006/relationships" r:dm="rId2" r:lo="rId3" r:qs="rId4" r:cs="rId5"/>
+          </a:graphicData>
+        </a:graphic>
+      </p:graphicFrame>
+      <p:pic>
+        <p:nvPicPr>
+          <p:cNvPr id="8" name="Picture 2"/>
+          <p:cNvPicPr>
+            <a:picLocks noChangeAspect="1" noChangeArrowheads="1"/>
+          </p:cNvPicPr>
+          <p:nvPr/>
+        </p:nvPicPr>
+        <p:blipFill>
+          <a:blip r:embed="rId7">
+            <a:extLst>
+              <a:ext uri="{28A0092B-C50C-407E-A947-70E740481C1C}">
+                <a14:useLocalDpi xmlns:a14="http://schemas.microsoft.com/office/drawing/2010/main" val="0"/>
+              </a:ext>
+            </a:extLst>
+          </a:blip>
+          <a:srcRect/>
+          <a:stretch>
+            <a:fillRect/>
+          </a:stretch>
+        </p:blipFill>
+        <p:spPr bwMode="auto">
+          <a:xfrm>
+            <a:off x="1066800" y="1307578"/>
+            <a:ext cx="6781800" cy="46239"/>
+          </a:xfrm>
+          <a:prstGeom prst="rect">
+            <a:avLst/>
+          </a:prstGeom>
+          <a:noFill/>
+          <a:ln>
+            <a:noFill/>
+          </a:ln>
+          <a:effectLst/>
+          <a:extLst>
+            <a:ext uri="{909E8E84-426E-40DD-AFC4-6F175D3DCCD1}">
+              <a14:hiddenFill xmlns:a14="http://schemas.microsoft.com/office/drawing/2010/main">
+                <a:solidFill>
+                  <a:schemeClr val="accent1"/>
+                </a:solidFill>
+              </a14:hiddenFill>
+            </a:ext>
+            <a:ext uri="{91240B29-F687-4F45-9708-019B960494DF}">
+              <a14:hiddenLine xmlns:a14="http://schemas.microsoft.com/office/drawing/2010/main" w="9525">
+                <a:solidFill>
+                  <a:schemeClr val="tx1"/>
+                </a:solidFill>
+                <a:miter lim="800000"/>
+                <a:headEnd/>
+                <a:tailEnd/>
+              </a14:hiddenLine>
+            </a:ext>
+            <a:ext uri="{AF507438-7753-43E0-B8FC-AC1667EBCBE1}">
+              <a14:hiddenEffects xmlns:a14="http://schemas.microsoft.com/office/drawing/2010/main">
+                <a:effectLst>
+                  <a:outerShdw dist="35921" dir="2700000" algn="ctr" rotWithShape="0">
+                    <a:schemeClr val="bg2"/>
+                  </a:outerShdw>
+                </a:effectLst>
+              </a14:hiddenEffects>
+            </a:ext>
+          </a:extLst>
+        </p:spPr>
+      </p:pic>
+    </p:spTree>
+    <p:extLst>
+      <p:ext uri="{BB962C8B-B14F-4D97-AF65-F5344CB8AC3E}">
+        <p14:creationId xmlns:p14="http://schemas.microsoft.com/office/powerpoint/2010/main" val="1538517169"/>
       </p:ext>
     </p:extLst>
   </p:cSld>
@@ -33671,7 +33814,7 @@
         <p:spPr>
           <a:xfrm>
             <a:off x="685800" y="1905000"/>
-            <a:ext cx="2285999" cy="2585323"/>
+            <a:ext cx="2285999" cy="3416320"/>
           </a:xfrm>
           <a:prstGeom prst="rect">
             <a:avLst/>
@@ -33807,6 +33950,38 @@
                 </a:solidFill>
               </a:rPr>
               <a:t>Plants </a:t>
+            </a:r>
+            <a:endParaRPr lang="en-US" dirty="0" smtClean="0">
+              <a:solidFill>
+                <a:schemeClr val="accent1">
+                  <a:lumMod val="50000"/>
+                </a:schemeClr>
+              </a:solidFill>
+            </a:endParaRPr>
+          </a:p>
+          <a:p>
+            <a:pPr marL="285750" indent="-285750">
+              <a:buFont typeface="Arial" pitchFamily="34" charset="0"/>
+              <a:buChar char="•"/>
+            </a:pPr>
+            <a:endParaRPr lang="en-US" dirty="0">
+              <a:solidFill>
+                <a:schemeClr val="accent1">
+                  <a:lumMod val="50000"/>
+                </a:schemeClr>
+              </a:solidFill>
+            </a:endParaRPr>
+          </a:p>
+          <a:p>
+            <a:r>
+              <a:rPr lang="en-US" dirty="0" smtClean="0">
+                <a:solidFill>
+                  <a:schemeClr val="accent1">
+                    <a:lumMod val="50000"/>
+                  </a:schemeClr>
+                </a:solidFill>
+              </a:rPr>
+              <a:t>And it also has a price filter.</a:t>
             </a:r>
             <a:endParaRPr lang="en-US" dirty="0">
               <a:solidFill>
